--- a/Documents(VWA)/graphics/Graphics.pptx
+++ b/Documents(VWA)/graphics/Graphics.pptx
@@ -9,9 +9,9 @@
   </p:notesMasterIdLst>
   <p:sldIdLst>
     <p:sldId id="256" r:id="rId2"/>
-    <p:sldId id="257" r:id="rId3"/>
-    <p:sldId id="258" r:id="rId4"/>
-    <p:sldId id="259" r:id="rId5"/>
+    <p:sldId id="260" r:id="rId3"/>
+    <p:sldId id="257" r:id="rId4"/>
+    <p:sldId id="258" r:id="rId5"/>
   </p:sldIdLst>
   <p:sldSz cx="12192000" cy="6858000"/>
   <p:notesSz cx="6858000" cy="9144000"/>
@@ -118,903 +118,6 @@
 </p:presentation>
 </file>
 
-<file path=ppt/charts/chart1.xml><?xml version="1.0" encoding="utf-8"?>
-<c:chartSpace xmlns:c="http://schemas.openxmlformats.org/drawingml/2006/chart" xmlns:a="http://schemas.openxmlformats.org/drawingml/2006/main" xmlns:r="http://schemas.openxmlformats.org/officeDocument/2006/relationships">
-  <c:date1904 val="0"/>
-  <c:lang val="en-US"/>
-  <c:roundedCorners val="0"/>
-  <mc:AlternateContent xmlns:mc="http://schemas.openxmlformats.org/markup-compatibility/2006">
-    <mc:Choice xmlns:c14="http://schemas.microsoft.com/office/drawing/2007/8/2/chart" Requires="c14">
-      <c14:style val="102"/>
-    </mc:Choice>
-    <mc:Fallback>
-      <c:style val="2"/>
-    </mc:Fallback>
-  </mc:AlternateContent>
-  <c:chart>
-    <c:autoTitleDeleted val="1"/>
-    <c:plotArea>
-      <c:layout/>
-      <c:lineChart>
-        <c:grouping val="standard"/>
-        <c:varyColors val="0"/>
-        <c:ser>
-          <c:idx val="0"/>
-          <c:order val="0"/>
-          <c:tx>
-            <c:strRef>
-              <c:f>Sheet1!$B$1</c:f>
-              <c:strCache>
-                <c:ptCount val="1"/>
-                <c:pt idx="0">
-                  <c:v>Monolithic</c:v>
-                </c:pt>
-              </c:strCache>
-            </c:strRef>
-          </c:tx>
-          <c:spPr>
-            <a:ln w="28575" cap="rnd">
-              <a:solidFill>
-                <a:schemeClr val="accent1"/>
-              </a:solidFill>
-              <a:round/>
-            </a:ln>
-            <a:effectLst/>
-          </c:spPr>
-          <c:marker>
-            <c:symbol val="none"/>
-          </c:marker>
-          <c:cat>
-            <c:strRef>
-              <c:f>Sheet1!$A$2:$A$11</c:f>
-              <c:strCache>
-                <c:ptCount val="10"/>
-                <c:pt idx="0">
-                  <c:v>Category 1</c:v>
-                </c:pt>
-                <c:pt idx="1">
-                  <c:v>Category 2</c:v>
-                </c:pt>
-                <c:pt idx="2">
-                  <c:v>Category 3</c:v>
-                </c:pt>
-                <c:pt idx="3">
-                  <c:v>Category 4</c:v>
-                </c:pt>
-                <c:pt idx="4">
-                  <c:v>Category 5</c:v>
-                </c:pt>
-                <c:pt idx="5">
-                  <c:v>Category 6</c:v>
-                </c:pt>
-                <c:pt idx="6">
-                  <c:v>Category 7</c:v>
-                </c:pt>
-                <c:pt idx="7">
-                  <c:v>Category 8</c:v>
-                </c:pt>
-                <c:pt idx="8">
-                  <c:v>Category 9</c:v>
-                </c:pt>
-                <c:pt idx="9">
-                  <c:v>Category 10</c:v>
-                </c:pt>
-              </c:strCache>
-            </c:strRef>
-          </c:cat>
-          <c:val>
-            <c:numRef>
-              <c:f>Sheet1!$B$2:$B$11</c:f>
-              <c:numCache>
-                <c:formatCode>General</c:formatCode>
-                <c:ptCount val="10"/>
-                <c:pt idx="0">
-                  <c:v>10.0</c:v>
-                </c:pt>
-                <c:pt idx="1">
-                  <c:v>10.0</c:v>
-                </c:pt>
-                <c:pt idx="2">
-                  <c:v>10.0</c:v>
-                </c:pt>
-                <c:pt idx="3">
-                  <c:v>8.0</c:v>
-                </c:pt>
-                <c:pt idx="4">
-                  <c:v>6.0</c:v>
-                </c:pt>
-                <c:pt idx="5">
-                  <c:v>4.0</c:v>
-                </c:pt>
-                <c:pt idx="6">
-                  <c:v>4.0</c:v>
-                </c:pt>
-                <c:pt idx="7">
-                  <c:v>4.0</c:v>
-                </c:pt>
-                <c:pt idx="8">
-                  <c:v>4.0</c:v>
-                </c:pt>
-                <c:pt idx="9">
-                  <c:v>4.0</c:v>
-                </c:pt>
-              </c:numCache>
-            </c:numRef>
-          </c:val>
-          <c:smooth val="0"/>
-        </c:ser>
-        <c:ser>
-          <c:idx val="1"/>
-          <c:order val="1"/>
-          <c:tx>
-            <c:strRef>
-              <c:f>Sheet1!$C$1</c:f>
-              <c:strCache>
-                <c:ptCount val="1"/>
-                <c:pt idx="0">
-                  <c:v>Microservice</c:v>
-                </c:pt>
-              </c:strCache>
-            </c:strRef>
-          </c:tx>
-          <c:spPr>
-            <a:ln w="28575" cap="rnd">
-              <a:solidFill>
-                <a:schemeClr val="accent2"/>
-              </a:solidFill>
-              <a:round/>
-            </a:ln>
-            <a:effectLst/>
-          </c:spPr>
-          <c:marker>
-            <c:symbol val="none"/>
-          </c:marker>
-          <c:cat>
-            <c:strRef>
-              <c:f>Sheet1!$A$2:$A$11</c:f>
-              <c:strCache>
-                <c:ptCount val="10"/>
-                <c:pt idx="0">
-                  <c:v>Category 1</c:v>
-                </c:pt>
-                <c:pt idx="1">
-                  <c:v>Category 2</c:v>
-                </c:pt>
-                <c:pt idx="2">
-                  <c:v>Category 3</c:v>
-                </c:pt>
-                <c:pt idx="3">
-                  <c:v>Category 4</c:v>
-                </c:pt>
-                <c:pt idx="4">
-                  <c:v>Category 5</c:v>
-                </c:pt>
-                <c:pt idx="5">
-                  <c:v>Category 6</c:v>
-                </c:pt>
-                <c:pt idx="6">
-                  <c:v>Category 7</c:v>
-                </c:pt>
-                <c:pt idx="7">
-                  <c:v>Category 8</c:v>
-                </c:pt>
-                <c:pt idx="8">
-                  <c:v>Category 9</c:v>
-                </c:pt>
-                <c:pt idx="9">
-                  <c:v>Category 10</c:v>
-                </c:pt>
-              </c:strCache>
-            </c:strRef>
-          </c:cat>
-          <c:val>
-            <c:numRef>
-              <c:f>Sheet1!$C$2:$C$11</c:f>
-              <c:numCache>
-                <c:formatCode>General</c:formatCode>
-                <c:ptCount val="10"/>
-                <c:pt idx="0">
-                  <c:v>7.0</c:v>
-                </c:pt>
-                <c:pt idx="1">
-                  <c:v>7.0</c:v>
-                </c:pt>
-                <c:pt idx="2">
-                  <c:v>7.0</c:v>
-                </c:pt>
-                <c:pt idx="3">
-                  <c:v>7.0</c:v>
-                </c:pt>
-                <c:pt idx="4">
-                  <c:v>7.0</c:v>
-                </c:pt>
-                <c:pt idx="5">
-                  <c:v>7.0</c:v>
-                </c:pt>
-                <c:pt idx="6">
-                  <c:v>6.0</c:v>
-                </c:pt>
-                <c:pt idx="7">
-                  <c:v>6.0</c:v>
-                </c:pt>
-                <c:pt idx="8">
-                  <c:v>6.0</c:v>
-                </c:pt>
-                <c:pt idx="9">
-                  <c:v>6.0</c:v>
-                </c:pt>
-              </c:numCache>
-            </c:numRef>
-          </c:val>
-          <c:smooth val="0"/>
-        </c:ser>
-        <c:dLbls>
-          <c:showLegendKey val="0"/>
-          <c:showVal val="0"/>
-          <c:showCatName val="0"/>
-          <c:showSerName val="0"/>
-          <c:showPercent val="0"/>
-          <c:showBubbleSize val="0"/>
-        </c:dLbls>
-        <c:smooth val="0"/>
-        <c:axId val="-1840214704"/>
-        <c:axId val="-1840786192"/>
-      </c:lineChart>
-      <c:catAx>
-        <c:axId val="-1840214704"/>
-        <c:scaling>
-          <c:orientation val="minMax"/>
-        </c:scaling>
-        <c:delete val="1"/>
-        <c:axPos val="b"/>
-        <c:numFmt formatCode="General" sourceLinked="1"/>
-        <c:majorTickMark val="none"/>
-        <c:minorTickMark val="none"/>
-        <c:tickLblPos val="nextTo"/>
-        <c:crossAx val="-1840786192"/>
-        <c:crosses val="autoZero"/>
-        <c:auto val="1"/>
-        <c:lblAlgn val="ctr"/>
-        <c:lblOffset val="100"/>
-        <c:noMultiLvlLbl val="0"/>
-      </c:catAx>
-      <c:valAx>
-        <c:axId val="-1840786192"/>
-        <c:scaling>
-          <c:orientation val="minMax"/>
-        </c:scaling>
-        <c:delete val="1"/>
-        <c:axPos val="l"/>
-        <c:majorTickMark val="none"/>
-        <c:minorTickMark val="none"/>
-        <c:tickLblPos val="nextTo"/>
-        <c:crossAx val="-1840214704"/>
-        <c:crosses val="autoZero"/>
-        <c:crossBetween val="between"/>
-      </c:valAx>
-      <c:spPr>
-        <a:noFill/>
-        <a:ln>
-          <a:noFill/>
-        </a:ln>
-        <a:effectLst/>
-      </c:spPr>
-    </c:plotArea>
-    <c:legend>
-      <c:legendPos val="b"/>
-      <c:layout/>
-      <c:overlay val="0"/>
-      <c:spPr>
-        <a:noFill/>
-        <a:ln>
-          <a:noFill/>
-        </a:ln>
-        <a:effectLst/>
-      </c:spPr>
-      <c:txPr>
-        <a:bodyPr rot="0" spcFirstLastPara="1" vertOverflow="ellipsis" vert="horz" wrap="square" anchor="ctr" anchorCtr="1"/>
-        <a:lstStyle/>
-        <a:p>
-          <a:pPr>
-            <a:defRPr sz="1197" b="0" i="0" u="none" strike="noStrike" kern="1200" baseline="0">
-              <a:solidFill>
-                <a:schemeClr val="tx1">
-                  <a:lumMod val="65000"/>
-                  <a:lumOff val="35000"/>
-                </a:schemeClr>
-              </a:solidFill>
-              <a:latin typeface="+mn-lt"/>
-              <a:ea typeface="+mn-ea"/>
-              <a:cs typeface="+mn-cs"/>
-            </a:defRPr>
-          </a:pPr>
-          <a:endParaRPr lang="en-US"/>
-        </a:p>
-      </c:txPr>
-    </c:legend>
-    <c:plotVisOnly val="1"/>
-    <c:dispBlanksAs val="gap"/>
-    <c:showDLblsOverMax val="0"/>
-  </c:chart>
-  <c:spPr>
-    <a:noFill/>
-    <a:ln>
-      <a:noFill/>
-    </a:ln>
-    <a:effectLst/>
-  </c:spPr>
-  <c:txPr>
-    <a:bodyPr/>
-    <a:lstStyle/>
-    <a:p>
-      <a:pPr>
-        <a:defRPr/>
-      </a:pPr>
-      <a:endParaRPr lang="en-US"/>
-    </a:p>
-  </c:txPr>
-  <c:externalData r:id="rId3">
-    <c:autoUpdate val="0"/>
-  </c:externalData>
-</c:chartSpace>
-</file>
-
-<file path=ppt/charts/colors1.xml><?xml version="1.0" encoding="utf-8"?>
-<cs:colorStyle xmlns:cs="http://schemas.microsoft.com/office/drawing/2012/chartStyle" xmlns:a="http://schemas.openxmlformats.org/drawingml/2006/main" meth="cycle" id="10">
-  <a:schemeClr val="accent1"/>
-  <a:schemeClr val="accent2"/>
-  <a:schemeClr val="accent3"/>
-  <a:schemeClr val="accent4"/>
-  <a:schemeClr val="accent5"/>
-  <a:schemeClr val="accent6"/>
-  <cs:variation/>
-  <cs:variation>
-    <a:lumMod val="60000"/>
-  </cs:variation>
-  <cs:variation>
-    <a:lumMod val="80000"/>
-    <a:lumOff val="20000"/>
-  </cs:variation>
-  <cs:variation>
-    <a:lumMod val="80000"/>
-  </cs:variation>
-  <cs:variation>
-    <a:lumMod val="60000"/>
-    <a:lumOff val="40000"/>
-  </cs:variation>
-  <cs:variation>
-    <a:lumMod val="50000"/>
-  </cs:variation>
-  <cs:variation>
-    <a:lumMod val="70000"/>
-    <a:lumOff val="30000"/>
-  </cs:variation>
-  <cs:variation>
-    <a:lumMod val="70000"/>
-  </cs:variation>
-  <cs:variation>
-    <a:lumMod val="50000"/>
-    <a:lumOff val="50000"/>
-  </cs:variation>
-</cs:colorStyle>
-</file>
-
-<file path=ppt/charts/style1.xml><?xml version="1.0" encoding="utf-8"?>
-<cs:chartStyle xmlns:cs="http://schemas.microsoft.com/office/drawing/2012/chartStyle" xmlns:a="http://schemas.openxmlformats.org/drawingml/2006/main" id="227">
-  <cs:axisTitle>
-    <cs:lnRef idx="0"/>
-    <cs:fillRef idx="0"/>
-    <cs:effectRef idx="0"/>
-    <cs:fontRef idx="minor">
-      <a:schemeClr val="tx1">
-        <a:lumMod val="65000"/>
-        <a:lumOff val="35000"/>
-      </a:schemeClr>
-    </cs:fontRef>
-    <cs:defRPr sz="1330" kern="1200"/>
-  </cs:axisTitle>
-  <cs:categoryAxis>
-    <cs:lnRef idx="0"/>
-    <cs:fillRef idx="0"/>
-    <cs:effectRef idx="0"/>
-    <cs:fontRef idx="minor">
-      <a:schemeClr val="tx1">
-        <a:lumMod val="65000"/>
-        <a:lumOff val="35000"/>
-      </a:schemeClr>
-    </cs:fontRef>
-    <cs:spPr>
-      <a:ln w="9525" cap="flat" cmpd="sng" algn="ctr">
-        <a:solidFill>
-          <a:schemeClr val="tx1">
-            <a:lumMod val="15000"/>
-            <a:lumOff val="85000"/>
-          </a:schemeClr>
-        </a:solidFill>
-        <a:round/>
-      </a:ln>
-    </cs:spPr>
-    <cs:defRPr sz="1197" kern="1200"/>
-  </cs:categoryAxis>
-  <cs:chartArea mods="allowNoFillOverride allowNoLineOverride">
-    <cs:lnRef idx="0"/>
-    <cs:fillRef idx="0"/>
-    <cs:effectRef idx="0"/>
-    <cs:fontRef idx="minor">
-      <a:schemeClr val="tx1"/>
-    </cs:fontRef>
-    <cs:spPr>
-      <a:solidFill>
-        <a:schemeClr val="bg1"/>
-      </a:solidFill>
-      <a:ln w="9525" cap="flat" cmpd="sng" algn="ctr">
-        <a:solidFill>
-          <a:schemeClr val="tx1">
-            <a:lumMod val="15000"/>
-            <a:lumOff val="85000"/>
-          </a:schemeClr>
-        </a:solidFill>
-        <a:round/>
-      </a:ln>
-    </cs:spPr>
-    <cs:defRPr sz="1330" kern="1200"/>
-  </cs:chartArea>
-  <cs:dataLabel>
-    <cs:lnRef idx="0"/>
-    <cs:fillRef idx="0"/>
-    <cs:effectRef idx="0"/>
-    <cs:fontRef idx="minor">
-      <a:schemeClr val="tx1">
-        <a:lumMod val="75000"/>
-        <a:lumOff val="25000"/>
-      </a:schemeClr>
-    </cs:fontRef>
-    <cs:defRPr sz="1197" kern="1200"/>
-  </cs:dataLabel>
-  <cs:dataLabelCallout>
-    <cs:lnRef idx="0"/>
-    <cs:fillRef idx="0"/>
-    <cs:effectRef idx="0"/>
-    <cs:fontRef idx="minor">
-      <a:schemeClr val="dk1">
-        <a:lumMod val="65000"/>
-        <a:lumOff val="35000"/>
-      </a:schemeClr>
-    </cs:fontRef>
-    <cs:spPr>
-      <a:solidFill>
-        <a:schemeClr val="lt1"/>
-      </a:solidFill>
-      <a:ln>
-        <a:solidFill>
-          <a:schemeClr val="dk1">
-            <a:lumMod val="25000"/>
-            <a:lumOff val="75000"/>
-          </a:schemeClr>
-        </a:solidFill>
-      </a:ln>
-    </cs:spPr>
-    <cs:defRPr sz="1197" kern="1200"/>
-    <cs:bodyPr rot="0" spcFirstLastPara="1" vertOverflow="clip" horzOverflow="clip" vert="horz" wrap="square" lIns="36576" tIns="18288" rIns="36576" bIns="18288" anchor="ctr" anchorCtr="1">
-      <a:spAutoFit/>
-    </cs:bodyPr>
-  </cs:dataLabelCallout>
-  <cs:dataPoint>
-    <cs:lnRef idx="0"/>
-    <cs:fillRef idx="1">
-      <cs:styleClr val="auto"/>
-    </cs:fillRef>
-    <cs:effectRef idx="0"/>
-    <cs:fontRef idx="minor">
-      <a:schemeClr val="tx1"/>
-    </cs:fontRef>
-    <cs:spPr>
-      <a:solidFill>
-        <a:schemeClr val="phClr"/>
-      </a:solidFill>
-    </cs:spPr>
-  </cs:dataPoint>
-  <cs:dataPoint3D>
-    <cs:lnRef idx="0"/>
-    <cs:fillRef idx="1">
-      <cs:styleClr val="auto"/>
-    </cs:fillRef>
-    <cs:effectRef idx="0"/>
-    <cs:fontRef idx="minor">
-      <a:schemeClr val="tx1"/>
-    </cs:fontRef>
-    <cs:spPr>
-      <a:solidFill>
-        <a:schemeClr val="phClr"/>
-      </a:solidFill>
-    </cs:spPr>
-  </cs:dataPoint3D>
-  <cs:dataPointLine>
-    <cs:lnRef idx="0">
-      <cs:styleClr val="auto"/>
-    </cs:lnRef>
-    <cs:fillRef idx="1"/>
-    <cs:effectRef idx="0"/>
-    <cs:fontRef idx="minor">
-      <a:schemeClr val="tx1"/>
-    </cs:fontRef>
-    <cs:spPr>
-      <a:ln w="28575" cap="rnd">
-        <a:solidFill>
-          <a:schemeClr val="phClr"/>
-        </a:solidFill>
-        <a:round/>
-      </a:ln>
-    </cs:spPr>
-  </cs:dataPointLine>
-  <cs:dataPointMarker>
-    <cs:lnRef idx="0">
-      <cs:styleClr val="auto"/>
-    </cs:lnRef>
-    <cs:fillRef idx="1">
-      <cs:styleClr val="auto"/>
-    </cs:fillRef>
-    <cs:effectRef idx="0"/>
-    <cs:fontRef idx="minor">
-      <a:schemeClr val="tx1"/>
-    </cs:fontRef>
-    <cs:spPr>
-      <a:solidFill>
-        <a:schemeClr val="phClr"/>
-      </a:solidFill>
-      <a:ln w="9525">
-        <a:solidFill>
-          <a:schemeClr val="phClr"/>
-        </a:solidFill>
-      </a:ln>
-    </cs:spPr>
-  </cs:dataPointMarker>
-  <cs:dataPointMarkerLayout symbol="circle" size="5"/>
-  <cs:dataPointWireframe>
-    <cs:lnRef idx="0">
-      <cs:styleClr val="auto"/>
-    </cs:lnRef>
-    <cs:fillRef idx="1"/>
-    <cs:effectRef idx="0"/>
-    <cs:fontRef idx="minor">
-      <a:schemeClr val="tx1"/>
-    </cs:fontRef>
-    <cs:spPr>
-      <a:ln w="9525" cap="rnd">
-        <a:solidFill>
-          <a:schemeClr val="phClr"/>
-        </a:solidFill>
-        <a:round/>
-      </a:ln>
-    </cs:spPr>
-  </cs:dataPointWireframe>
-  <cs:dataTable>
-    <cs:lnRef idx="0"/>
-    <cs:fillRef idx="0"/>
-    <cs:effectRef idx="0"/>
-    <cs:fontRef idx="minor">
-      <a:schemeClr val="tx1">
-        <a:lumMod val="65000"/>
-        <a:lumOff val="35000"/>
-      </a:schemeClr>
-    </cs:fontRef>
-    <cs:spPr>
-      <a:noFill/>
-      <a:ln w="9525" cap="flat" cmpd="sng" algn="ctr">
-        <a:solidFill>
-          <a:schemeClr val="tx1">
-            <a:lumMod val="15000"/>
-            <a:lumOff val="85000"/>
-          </a:schemeClr>
-        </a:solidFill>
-        <a:round/>
-      </a:ln>
-    </cs:spPr>
-    <cs:defRPr sz="1197" kern="1200"/>
-  </cs:dataTable>
-  <cs:downBar>
-    <cs:lnRef idx="0"/>
-    <cs:fillRef idx="0"/>
-    <cs:effectRef idx="0"/>
-    <cs:fontRef idx="minor">
-      <a:schemeClr val="dk1"/>
-    </cs:fontRef>
-    <cs:spPr>
-      <a:solidFill>
-        <a:schemeClr val="dk1">
-          <a:lumMod val="65000"/>
-          <a:lumOff val="35000"/>
-        </a:schemeClr>
-      </a:solidFill>
-      <a:ln w="9525">
-        <a:solidFill>
-          <a:schemeClr val="tx1">
-            <a:lumMod val="65000"/>
-            <a:lumOff val="35000"/>
-          </a:schemeClr>
-        </a:solidFill>
-      </a:ln>
-    </cs:spPr>
-  </cs:downBar>
-  <cs:dropLine>
-    <cs:lnRef idx="0"/>
-    <cs:fillRef idx="0"/>
-    <cs:effectRef idx="0"/>
-    <cs:fontRef idx="minor">
-      <a:schemeClr val="tx1"/>
-    </cs:fontRef>
-    <cs:spPr>
-      <a:ln w="9525" cap="flat" cmpd="sng" algn="ctr">
-        <a:solidFill>
-          <a:schemeClr val="tx1">
-            <a:lumMod val="35000"/>
-            <a:lumOff val="65000"/>
-          </a:schemeClr>
-        </a:solidFill>
-        <a:round/>
-      </a:ln>
-    </cs:spPr>
-  </cs:dropLine>
-  <cs:errorBar>
-    <cs:lnRef idx="0"/>
-    <cs:fillRef idx="0"/>
-    <cs:effectRef idx="0"/>
-    <cs:fontRef idx="minor">
-      <a:schemeClr val="tx1"/>
-    </cs:fontRef>
-    <cs:spPr>
-      <a:ln w="9525" cap="flat" cmpd="sng" algn="ctr">
-        <a:solidFill>
-          <a:schemeClr val="tx1">
-            <a:lumMod val="65000"/>
-            <a:lumOff val="35000"/>
-          </a:schemeClr>
-        </a:solidFill>
-        <a:round/>
-      </a:ln>
-    </cs:spPr>
-  </cs:errorBar>
-  <cs:floor>
-    <cs:lnRef idx="0"/>
-    <cs:fillRef idx="0"/>
-    <cs:effectRef idx="0"/>
-    <cs:fontRef idx="minor">
-      <a:schemeClr val="tx1"/>
-    </cs:fontRef>
-    <cs:spPr>
-      <a:noFill/>
-      <a:ln>
-        <a:noFill/>
-      </a:ln>
-    </cs:spPr>
-  </cs:floor>
-  <cs:gridlineMajor>
-    <cs:lnRef idx="0"/>
-    <cs:fillRef idx="0"/>
-    <cs:effectRef idx="0"/>
-    <cs:fontRef idx="minor">
-      <a:schemeClr val="tx1"/>
-    </cs:fontRef>
-    <cs:spPr>
-      <a:ln w="9525" cap="flat" cmpd="sng" algn="ctr">
-        <a:solidFill>
-          <a:schemeClr val="tx1">
-            <a:lumMod val="15000"/>
-            <a:lumOff val="85000"/>
-          </a:schemeClr>
-        </a:solidFill>
-        <a:round/>
-      </a:ln>
-    </cs:spPr>
-  </cs:gridlineMajor>
-  <cs:gridlineMinor>
-    <cs:lnRef idx="0"/>
-    <cs:fillRef idx="0"/>
-    <cs:effectRef idx="0"/>
-    <cs:fontRef idx="minor">
-      <a:schemeClr val="tx1"/>
-    </cs:fontRef>
-    <cs:spPr>
-      <a:ln w="9525" cap="flat" cmpd="sng" algn="ctr">
-        <a:solidFill>
-          <a:schemeClr val="tx1">
-            <a:lumMod val="5000"/>
-            <a:lumOff val="95000"/>
-          </a:schemeClr>
-        </a:solidFill>
-        <a:round/>
-      </a:ln>
-    </cs:spPr>
-  </cs:gridlineMinor>
-  <cs:hiLoLine>
-    <cs:lnRef idx="0"/>
-    <cs:fillRef idx="0"/>
-    <cs:effectRef idx="0"/>
-    <cs:fontRef idx="minor">
-      <a:schemeClr val="tx1"/>
-    </cs:fontRef>
-    <cs:spPr>
-      <a:ln w="9525" cap="flat" cmpd="sng" algn="ctr">
-        <a:solidFill>
-          <a:schemeClr val="tx1">
-            <a:lumMod val="75000"/>
-            <a:lumOff val="25000"/>
-          </a:schemeClr>
-        </a:solidFill>
-        <a:round/>
-      </a:ln>
-    </cs:spPr>
-  </cs:hiLoLine>
-  <cs:leaderLine>
-    <cs:lnRef idx="0"/>
-    <cs:fillRef idx="0"/>
-    <cs:effectRef idx="0"/>
-    <cs:fontRef idx="minor">
-      <a:schemeClr val="tx1"/>
-    </cs:fontRef>
-    <cs:spPr>
-      <a:ln w="9525" cap="flat" cmpd="sng" algn="ctr">
-        <a:solidFill>
-          <a:schemeClr val="tx1">
-            <a:lumMod val="35000"/>
-            <a:lumOff val="65000"/>
-          </a:schemeClr>
-        </a:solidFill>
-        <a:round/>
-      </a:ln>
-    </cs:spPr>
-  </cs:leaderLine>
-  <cs:legend>
-    <cs:lnRef idx="0"/>
-    <cs:fillRef idx="0"/>
-    <cs:effectRef idx="0"/>
-    <cs:fontRef idx="minor">
-      <a:schemeClr val="tx1">
-        <a:lumMod val="65000"/>
-        <a:lumOff val="35000"/>
-      </a:schemeClr>
-    </cs:fontRef>
-    <cs:defRPr sz="1197" kern="1200"/>
-  </cs:legend>
-  <cs:plotArea mods="allowNoFillOverride allowNoLineOverride">
-    <cs:lnRef idx="0"/>
-    <cs:fillRef idx="0"/>
-    <cs:effectRef idx="0"/>
-    <cs:fontRef idx="minor">
-      <a:schemeClr val="tx1"/>
-    </cs:fontRef>
-  </cs:plotArea>
-  <cs:plotArea3D mods="allowNoFillOverride allowNoLineOverride">
-    <cs:lnRef idx="0"/>
-    <cs:fillRef idx="0"/>
-    <cs:effectRef idx="0"/>
-    <cs:fontRef idx="minor">
-      <a:schemeClr val="tx1"/>
-    </cs:fontRef>
-  </cs:plotArea3D>
-  <cs:seriesAxis>
-    <cs:lnRef idx="0"/>
-    <cs:fillRef idx="0"/>
-    <cs:effectRef idx="0"/>
-    <cs:fontRef idx="minor">
-      <a:schemeClr val="tx1">
-        <a:lumMod val="65000"/>
-        <a:lumOff val="35000"/>
-      </a:schemeClr>
-    </cs:fontRef>
-    <cs:defRPr sz="1197" kern="1200"/>
-  </cs:seriesAxis>
-  <cs:seriesLine>
-    <cs:lnRef idx="0"/>
-    <cs:fillRef idx="0"/>
-    <cs:effectRef idx="0"/>
-    <cs:fontRef idx="minor">
-      <a:schemeClr val="tx1"/>
-    </cs:fontRef>
-    <cs:spPr>
-      <a:ln w="9525" cap="flat" cmpd="sng" algn="ctr">
-        <a:solidFill>
-          <a:schemeClr val="tx1">
-            <a:lumMod val="35000"/>
-            <a:lumOff val="65000"/>
-          </a:schemeClr>
-        </a:solidFill>
-        <a:round/>
-      </a:ln>
-    </cs:spPr>
-  </cs:seriesLine>
-  <cs:title>
-    <cs:lnRef idx="0"/>
-    <cs:fillRef idx="0"/>
-    <cs:effectRef idx="0"/>
-    <cs:fontRef idx="minor">
-      <a:schemeClr val="tx1">
-        <a:lumMod val="65000"/>
-        <a:lumOff val="35000"/>
-      </a:schemeClr>
-    </cs:fontRef>
-    <cs:defRPr sz="1862" b="0" kern="1200" spc="0" baseline="0"/>
-  </cs:title>
-  <cs:trendline>
-    <cs:lnRef idx="0">
-      <cs:styleClr val="auto"/>
-    </cs:lnRef>
-    <cs:fillRef idx="0"/>
-    <cs:effectRef idx="0"/>
-    <cs:fontRef idx="minor">
-      <a:schemeClr val="tx1"/>
-    </cs:fontRef>
-    <cs:spPr>
-      <a:ln w="19050" cap="rnd">
-        <a:solidFill>
-          <a:schemeClr val="phClr"/>
-        </a:solidFill>
-        <a:prstDash val="sysDot"/>
-      </a:ln>
-    </cs:spPr>
-  </cs:trendline>
-  <cs:trendlineLabel>
-    <cs:lnRef idx="0"/>
-    <cs:fillRef idx="0"/>
-    <cs:effectRef idx="0"/>
-    <cs:fontRef idx="minor">
-      <a:schemeClr val="tx1">
-        <a:lumMod val="65000"/>
-        <a:lumOff val="35000"/>
-      </a:schemeClr>
-    </cs:fontRef>
-    <cs:defRPr sz="1197" kern="1200"/>
-  </cs:trendlineLabel>
-  <cs:upBar>
-    <cs:lnRef idx="0"/>
-    <cs:fillRef idx="0"/>
-    <cs:effectRef idx="0"/>
-    <cs:fontRef idx="minor">
-      <a:schemeClr val="dk1"/>
-    </cs:fontRef>
-    <cs:spPr>
-      <a:solidFill>
-        <a:schemeClr val="lt1"/>
-      </a:solidFill>
-      <a:ln w="9525">
-        <a:solidFill>
-          <a:schemeClr val="tx1">
-            <a:lumMod val="15000"/>
-            <a:lumOff val="85000"/>
-          </a:schemeClr>
-        </a:solidFill>
-      </a:ln>
-    </cs:spPr>
-  </cs:upBar>
-  <cs:valueAxis>
-    <cs:lnRef idx="0"/>
-    <cs:fillRef idx="0"/>
-    <cs:effectRef idx="0"/>
-    <cs:fontRef idx="minor">
-      <a:schemeClr val="tx1">
-        <a:lumMod val="65000"/>
-        <a:lumOff val="35000"/>
-      </a:schemeClr>
-    </cs:fontRef>
-    <cs:defRPr sz="1197" kern="1200"/>
-  </cs:valueAxis>
-  <cs:wall>
-    <cs:lnRef idx="0"/>
-    <cs:fillRef idx="0"/>
-    <cs:effectRef idx="0"/>
-    <cs:fontRef idx="minor">
-      <a:schemeClr val="tx1"/>
-    </cs:fontRef>
-    <cs:spPr>
-      <a:noFill/>
-      <a:ln>
-        <a:noFill/>
-      </a:ln>
-    </cs:spPr>
-  </cs:wall>
-</cs:chartStyle>
-</file>
-
 <file path=ppt/notesMasters/notesMaster1.xml><?xml version="1.0" encoding="utf-8"?>
 <p:notesMaster xmlns:a="http://schemas.openxmlformats.org/drawingml/2006/main" xmlns:r="http://schemas.openxmlformats.org/officeDocument/2006/relationships" xmlns:p="http://schemas.openxmlformats.org/presentationml/2006/main">
   <p:cSld>
@@ -1097,7 +200,7 @@
           <a:p>
             <a:fld id="{559CD18D-7E71-4345-BC5D-7CB7DC0EBDCC}" type="datetimeFigureOut">
               <a:rPr lang="en-US" smtClean="0"/>
-              <a:t>1/18/18</a:t>
+              <a:t>1/27/18</a:t>
             </a:fld>
             <a:endParaRPr lang="en-US"/>
           </a:p>
@@ -1161,38 +264,37 @@
           <a:p>
             <a:pPr lvl="0"/>
             <a:r>
-              <a:rPr lang="en-US" smtClean="0"/>
+              <a:rPr lang="en-US"/>
               <a:t>Click to edit Master text styles</a:t>
             </a:r>
           </a:p>
           <a:p>
             <a:pPr lvl="1"/>
             <a:r>
-              <a:rPr lang="en-US" smtClean="0"/>
+              <a:rPr lang="en-US"/>
               <a:t>Second level</a:t>
             </a:r>
           </a:p>
           <a:p>
             <a:pPr lvl="2"/>
             <a:r>
-              <a:rPr lang="en-US" smtClean="0"/>
+              <a:rPr lang="en-US"/>
               <a:t>Third level</a:t>
             </a:r>
           </a:p>
           <a:p>
             <a:pPr lvl="3"/>
             <a:r>
-              <a:rPr lang="en-US" smtClean="0"/>
+              <a:rPr lang="en-US"/>
               <a:t>Fourth level</a:t>
             </a:r>
           </a:p>
           <a:p>
             <a:pPr lvl="4"/>
             <a:r>
-              <a:rPr lang="en-US" smtClean="0"/>
+              <a:rPr lang="en-US"/>
               <a:t>Fifth level</a:t>
             </a:r>
-            <a:endParaRPr lang="en-US"/>
           </a:p>
         </p:txBody>
       </p:sp>
@@ -1407,10 +509,9 @@
           </a:lstStyle>
           <a:p>
             <a:r>
-              <a:rPr lang="en-US" smtClean="0"/>
+              <a:rPr lang="en-US"/>
               <a:t>Click to edit Master title style</a:t>
             </a:r>
-            <a:endParaRPr lang="en-US"/>
           </a:p>
         </p:txBody>
       </p:sp>
@@ -1472,10 +573,9 @@
           </a:lstStyle>
           <a:p>
             <a:r>
-              <a:rPr lang="en-US" smtClean="0"/>
+              <a:rPr lang="en-US"/>
               <a:t>Click to edit Master subtitle style</a:t>
             </a:r>
-            <a:endParaRPr lang="en-US"/>
           </a:p>
         </p:txBody>
       </p:sp>
@@ -1496,7 +596,7 @@
           <a:p>
             <a:fld id="{AADE8FE6-F29D-8D45-A0A6-71FE9D3F776C}" type="datetimeFigureOut">
               <a:rPr lang="en-US" smtClean="0"/>
-              <a:t>1/18/18</a:t>
+              <a:t>1/27/18</a:t>
             </a:fld>
             <a:endParaRPr lang="en-US"/>
           </a:p>
@@ -1590,10 +690,9 @@
           <a:lstStyle/>
           <a:p>
             <a:r>
-              <a:rPr lang="en-US" smtClean="0"/>
+              <a:rPr lang="en-US"/>
               <a:t>Click to edit Master title style</a:t>
             </a:r>
-            <a:endParaRPr lang="en-US"/>
           </a:p>
         </p:txBody>
       </p:sp>
@@ -1614,38 +713,37 @@
           <a:p>
             <a:pPr lvl="0"/>
             <a:r>
-              <a:rPr lang="en-US" smtClean="0"/>
+              <a:rPr lang="en-US"/>
               <a:t>Click to edit Master text styles</a:t>
             </a:r>
           </a:p>
           <a:p>
             <a:pPr lvl="1"/>
             <a:r>
-              <a:rPr lang="en-US" smtClean="0"/>
+              <a:rPr lang="en-US"/>
               <a:t>Second level</a:t>
             </a:r>
           </a:p>
           <a:p>
             <a:pPr lvl="2"/>
             <a:r>
-              <a:rPr lang="en-US" smtClean="0"/>
+              <a:rPr lang="en-US"/>
               <a:t>Third level</a:t>
             </a:r>
           </a:p>
           <a:p>
             <a:pPr lvl="3"/>
             <a:r>
-              <a:rPr lang="en-US" smtClean="0"/>
+              <a:rPr lang="en-US"/>
               <a:t>Fourth level</a:t>
             </a:r>
           </a:p>
           <a:p>
             <a:pPr lvl="4"/>
             <a:r>
-              <a:rPr lang="en-US" smtClean="0"/>
+              <a:rPr lang="en-US"/>
               <a:t>Fifth level</a:t>
             </a:r>
-            <a:endParaRPr lang="en-US"/>
           </a:p>
         </p:txBody>
       </p:sp>
@@ -1666,7 +764,7 @@
           <a:p>
             <a:fld id="{AADE8FE6-F29D-8D45-A0A6-71FE9D3F776C}" type="datetimeFigureOut">
               <a:rPr lang="en-US" smtClean="0"/>
-              <a:t>1/18/18</a:t>
+              <a:t>1/27/18</a:t>
             </a:fld>
             <a:endParaRPr lang="en-US"/>
           </a:p>
@@ -1765,10 +863,9 @@
           <a:lstStyle/>
           <a:p>
             <a:r>
-              <a:rPr lang="en-US" smtClean="0"/>
+              <a:rPr lang="en-US"/>
               <a:t>Click to edit Master title style</a:t>
             </a:r>
-            <a:endParaRPr lang="en-US"/>
           </a:p>
         </p:txBody>
       </p:sp>
@@ -1794,38 +891,37 @@
           <a:p>
             <a:pPr lvl="0"/>
             <a:r>
-              <a:rPr lang="en-US" smtClean="0"/>
+              <a:rPr lang="en-US"/>
               <a:t>Click to edit Master text styles</a:t>
             </a:r>
           </a:p>
           <a:p>
             <a:pPr lvl="1"/>
             <a:r>
-              <a:rPr lang="en-US" smtClean="0"/>
+              <a:rPr lang="en-US"/>
               <a:t>Second level</a:t>
             </a:r>
           </a:p>
           <a:p>
             <a:pPr lvl="2"/>
             <a:r>
-              <a:rPr lang="en-US" smtClean="0"/>
+              <a:rPr lang="en-US"/>
               <a:t>Third level</a:t>
             </a:r>
           </a:p>
           <a:p>
             <a:pPr lvl="3"/>
             <a:r>
-              <a:rPr lang="en-US" smtClean="0"/>
+              <a:rPr lang="en-US"/>
               <a:t>Fourth level</a:t>
             </a:r>
           </a:p>
           <a:p>
             <a:pPr lvl="4"/>
             <a:r>
-              <a:rPr lang="en-US" smtClean="0"/>
+              <a:rPr lang="en-US"/>
               <a:t>Fifth level</a:t>
             </a:r>
-            <a:endParaRPr lang="en-US"/>
           </a:p>
         </p:txBody>
       </p:sp>
@@ -1846,7 +942,7 @@
           <a:p>
             <a:fld id="{AADE8FE6-F29D-8D45-A0A6-71FE9D3F776C}" type="datetimeFigureOut">
               <a:rPr lang="en-US" smtClean="0"/>
-              <a:t>1/18/18</a:t>
+              <a:t>1/27/18</a:t>
             </a:fld>
             <a:endParaRPr lang="en-US"/>
           </a:p>
@@ -1940,10 +1036,9 @@
           <a:lstStyle/>
           <a:p>
             <a:r>
-              <a:rPr lang="en-US" smtClean="0"/>
+              <a:rPr lang="en-US"/>
               <a:t>Click to edit Master title style</a:t>
             </a:r>
-            <a:endParaRPr lang="en-US"/>
           </a:p>
         </p:txBody>
       </p:sp>
@@ -1964,38 +1059,37 @@
           <a:p>
             <a:pPr lvl="0"/>
             <a:r>
-              <a:rPr lang="en-US" smtClean="0"/>
+              <a:rPr lang="en-US"/>
               <a:t>Click to edit Master text styles</a:t>
             </a:r>
           </a:p>
           <a:p>
             <a:pPr lvl="1"/>
             <a:r>
-              <a:rPr lang="en-US" smtClean="0"/>
+              <a:rPr lang="en-US"/>
               <a:t>Second level</a:t>
             </a:r>
           </a:p>
           <a:p>
             <a:pPr lvl="2"/>
             <a:r>
-              <a:rPr lang="en-US" smtClean="0"/>
+              <a:rPr lang="en-US"/>
               <a:t>Third level</a:t>
             </a:r>
           </a:p>
           <a:p>
             <a:pPr lvl="3"/>
             <a:r>
-              <a:rPr lang="en-US" smtClean="0"/>
+              <a:rPr lang="en-US"/>
               <a:t>Fourth level</a:t>
             </a:r>
           </a:p>
           <a:p>
             <a:pPr lvl="4"/>
             <a:r>
-              <a:rPr lang="en-US" smtClean="0"/>
+              <a:rPr lang="en-US"/>
               <a:t>Fifth level</a:t>
             </a:r>
-            <a:endParaRPr lang="en-US"/>
           </a:p>
         </p:txBody>
       </p:sp>
@@ -2016,7 +1110,7 @@
           <a:p>
             <a:fld id="{AADE8FE6-F29D-8D45-A0A6-71FE9D3F776C}" type="datetimeFigureOut">
               <a:rPr lang="en-US" smtClean="0"/>
-              <a:t>1/18/18</a:t>
+              <a:t>1/27/18</a:t>
             </a:fld>
             <a:endParaRPr lang="en-US"/>
           </a:p>
@@ -2119,10 +1213,9 @@
           </a:lstStyle>
           <a:p>
             <a:r>
-              <a:rPr lang="en-US" smtClean="0"/>
+              <a:rPr lang="en-US"/>
               <a:t>Click to edit Master title style</a:t>
             </a:r>
-            <a:endParaRPr lang="en-US"/>
           </a:p>
         </p:txBody>
       </p:sp>
@@ -2239,7 +1332,7 @@
           <a:p>
             <a:pPr lvl="0"/>
             <a:r>
-              <a:rPr lang="en-US" smtClean="0"/>
+              <a:rPr lang="en-US"/>
               <a:t>Click to edit Master text styles</a:t>
             </a:r>
           </a:p>
@@ -2262,7 +1355,7 @@
           <a:p>
             <a:fld id="{AADE8FE6-F29D-8D45-A0A6-71FE9D3F776C}" type="datetimeFigureOut">
               <a:rPr lang="en-US" smtClean="0"/>
-              <a:t>1/18/18</a:t>
+              <a:t>1/27/18</a:t>
             </a:fld>
             <a:endParaRPr lang="en-US"/>
           </a:p>
@@ -2356,10 +1449,9 @@
           <a:lstStyle/>
           <a:p>
             <a:r>
-              <a:rPr lang="en-US" smtClean="0"/>
+              <a:rPr lang="en-US"/>
               <a:t>Click to edit Master title style</a:t>
             </a:r>
-            <a:endParaRPr lang="en-US"/>
           </a:p>
         </p:txBody>
       </p:sp>
@@ -2385,38 +1477,37 @@
           <a:p>
             <a:pPr lvl="0"/>
             <a:r>
-              <a:rPr lang="en-US" smtClean="0"/>
+              <a:rPr lang="en-US"/>
               <a:t>Click to edit Master text styles</a:t>
             </a:r>
           </a:p>
           <a:p>
             <a:pPr lvl="1"/>
             <a:r>
-              <a:rPr lang="en-US" smtClean="0"/>
+              <a:rPr lang="en-US"/>
               <a:t>Second level</a:t>
             </a:r>
           </a:p>
           <a:p>
             <a:pPr lvl="2"/>
             <a:r>
-              <a:rPr lang="en-US" smtClean="0"/>
+              <a:rPr lang="en-US"/>
               <a:t>Third level</a:t>
             </a:r>
           </a:p>
           <a:p>
             <a:pPr lvl="3"/>
             <a:r>
-              <a:rPr lang="en-US" smtClean="0"/>
+              <a:rPr lang="en-US"/>
               <a:t>Fourth level</a:t>
             </a:r>
           </a:p>
           <a:p>
             <a:pPr lvl="4"/>
             <a:r>
-              <a:rPr lang="en-US" smtClean="0"/>
+              <a:rPr lang="en-US"/>
               <a:t>Fifth level</a:t>
             </a:r>
-            <a:endParaRPr lang="en-US"/>
           </a:p>
         </p:txBody>
       </p:sp>
@@ -2442,38 +1533,37 @@
           <a:p>
             <a:pPr lvl="0"/>
             <a:r>
-              <a:rPr lang="en-US" smtClean="0"/>
+              <a:rPr lang="en-US"/>
               <a:t>Click to edit Master text styles</a:t>
             </a:r>
           </a:p>
           <a:p>
             <a:pPr lvl="1"/>
             <a:r>
-              <a:rPr lang="en-US" smtClean="0"/>
+              <a:rPr lang="en-US"/>
               <a:t>Second level</a:t>
             </a:r>
           </a:p>
           <a:p>
             <a:pPr lvl="2"/>
             <a:r>
-              <a:rPr lang="en-US" smtClean="0"/>
+              <a:rPr lang="en-US"/>
               <a:t>Third level</a:t>
             </a:r>
           </a:p>
           <a:p>
             <a:pPr lvl="3"/>
             <a:r>
-              <a:rPr lang="en-US" smtClean="0"/>
+              <a:rPr lang="en-US"/>
               <a:t>Fourth level</a:t>
             </a:r>
           </a:p>
           <a:p>
             <a:pPr lvl="4"/>
             <a:r>
-              <a:rPr lang="en-US" smtClean="0"/>
+              <a:rPr lang="en-US"/>
               <a:t>Fifth level</a:t>
             </a:r>
-            <a:endParaRPr lang="en-US"/>
           </a:p>
         </p:txBody>
       </p:sp>
@@ -2494,7 +1584,7 @@
           <a:p>
             <a:fld id="{AADE8FE6-F29D-8D45-A0A6-71FE9D3F776C}" type="datetimeFigureOut">
               <a:rPr lang="en-US" smtClean="0"/>
-              <a:t>1/18/18</a:t>
+              <a:t>1/27/18</a:t>
             </a:fld>
             <a:endParaRPr lang="en-US"/>
           </a:p>
@@ -2593,10 +1683,9 @@
           <a:lstStyle/>
           <a:p>
             <a:r>
-              <a:rPr lang="en-US" smtClean="0"/>
+              <a:rPr lang="en-US"/>
               <a:t>Click to edit Master title style</a:t>
             </a:r>
-            <a:endParaRPr lang="en-US"/>
           </a:p>
         </p:txBody>
       </p:sp>
@@ -2659,7 +1748,7 @@
           <a:p>
             <a:pPr lvl="0"/>
             <a:r>
-              <a:rPr lang="en-US" smtClean="0"/>
+              <a:rPr lang="en-US"/>
               <a:t>Click to edit Master text styles</a:t>
             </a:r>
           </a:p>
@@ -2687,38 +1776,37 @@
           <a:p>
             <a:pPr lvl="0"/>
             <a:r>
-              <a:rPr lang="en-US" smtClean="0"/>
+              <a:rPr lang="en-US"/>
               <a:t>Click to edit Master text styles</a:t>
             </a:r>
           </a:p>
           <a:p>
             <a:pPr lvl="1"/>
             <a:r>
-              <a:rPr lang="en-US" smtClean="0"/>
+              <a:rPr lang="en-US"/>
               <a:t>Second level</a:t>
             </a:r>
           </a:p>
           <a:p>
             <a:pPr lvl="2"/>
             <a:r>
-              <a:rPr lang="en-US" smtClean="0"/>
+              <a:rPr lang="en-US"/>
               <a:t>Third level</a:t>
             </a:r>
           </a:p>
           <a:p>
             <a:pPr lvl="3"/>
             <a:r>
-              <a:rPr lang="en-US" smtClean="0"/>
+              <a:rPr lang="en-US"/>
               <a:t>Fourth level</a:t>
             </a:r>
           </a:p>
           <a:p>
             <a:pPr lvl="4"/>
             <a:r>
-              <a:rPr lang="en-US" smtClean="0"/>
+              <a:rPr lang="en-US"/>
               <a:t>Fifth level</a:t>
             </a:r>
-            <a:endParaRPr lang="en-US"/>
           </a:p>
         </p:txBody>
       </p:sp>
@@ -2781,7 +1869,7 @@
           <a:p>
             <a:pPr lvl="0"/>
             <a:r>
-              <a:rPr lang="en-US" smtClean="0"/>
+              <a:rPr lang="en-US"/>
               <a:t>Click to edit Master text styles</a:t>
             </a:r>
           </a:p>
@@ -2809,38 +1897,37 @@
           <a:p>
             <a:pPr lvl="0"/>
             <a:r>
-              <a:rPr lang="en-US" smtClean="0"/>
+              <a:rPr lang="en-US"/>
               <a:t>Click to edit Master text styles</a:t>
             </a:r>
           </a:p>
           <a:p>
             <a:pPr lvl="1"/>
             <a:r>
-              <a:rPr lang="en-US" smtClean="0"/>
+              <a:rPr lang="en-US"/>
               <a:t>Second level</a:t>
             </a:r>
           </a:p>
           <a:p>
             <a:pPr lvl="2"/>
             <a:r>
-              <a:rPr lang="en-US" smtClean="0"/>
+              <a:rPr lang="en-US"/>
               <a:t>Third level</a:t>
             </a:r>
           </a:p>
           <a:p>
             <a:pPr lvl="3"/>
             <a:r>
-              <a:rPr lang="en-US" smtClean="0"/>
+              <a:rPr lang="en-US"/>
               <a:t>Fourth level</a:t>
             </a:r>
           </a:p>
           <a:p>
             <a:pPr lvl="4"/>
             <a:r>
-              <a:rPr lang="en-US" smtClean="0"/>
+              <a:rPr lang="en-US"/>
               <a:t>Fifth level</a:t>
             </a:r>
-            <a:endParaRPr lang="en-US"/>
           </a:p>
         </p:txBody>
       </p:sp>
@@ -2861,7 +1948,7 @@
           <a:p>
             <a:fld id="{AADE8FE6-F29D-8D45-A0A6-71FE9D3F776C}" type="datetimeFigureOut">
               <a:rPr lang="en-US" smtClean="0"/>
-              <a:t>1/18/18</a:t>
+              <a:t>1/27/18</a:t>
             </a:fld>
             <a:endParaRPr lang="en-US"/>
           </a:p>
@@ -2955,10 +2042,9 @@
           <a:lstStyle/>
           <a:p>
             <a:r>
-              <a:rPr lang="en-US" smtClean="0"/>
+              <a:rPr lang="en-US"/>
               <a:t>Click to edit Master title style</a:t>
             </a:r>
-            <a:endParaRPr lang="en-US"/>
           </a:p>
         </p:txBody>
       </p:sp>
@@ -2979,7 +2065,7 @@
           <a:p>
             <a:fld id="{AADE8FE6-F29D-8D45-A0A6-71FE9D3F776C}" type="datetimeFigureOut">
               <a:rPr lang="en-US" smtClean="0"/>
-              <a:t>1/18/18</a:t>
+              <a:t>1/27/18</a:t>
             </a:fld>
             <a:endParaRPr lang="en-US"/>
           </a:p>
@@ -3074,7 +2160,7 @@
           <a:p>
             <a:fld id="{AADE8FE6-F29D-8D45-A0A6-71FE9D3F776C}" type="datetimeFigureOut">
               <a:rPr lang="en-US" smtClean="0"/>
-              <a:t>1/18/18</a:t>
+              <a:t>1/27/18</a:t>
             </a:fld>
             <a:endParaRPr lang="en-US"/>
           </a:p>
@@ -3177,10 +2263,9 @@
           </a:lstStyle>
           <a:p>
             <a:r>
-              <a:rPr lang="en-US" smtClean="0"/>
+              <a:rPr lang="en-US"/>
               <a:t>Click to edit Master title style</a:t>
             </a:r>
-            <a:endParaRPr lang="en-US"/>
           </a:p>
         </p:txBody>
       </p:sp>
@@ -3234,38 +2319,37 @@
           <a:p>
             <a:pPr lvl="0"/>
             <a:r>
-              <a:rPr lang="en-US" smtClean="0"/>
+              <a:rPr lang="en-US"/>
               <a:t>Click to edit Master text styles</a:t>
             </a:r>
           </a:p>
           <a:p>
             <a:pPr lvl="1"/>
             <a:r>
-              <a:rPr lang="en-US" smtClean="0"/>
+              <a:rPr lang="en-US"/>
               <a:t>Second level</a:t>
             </a:r>
           </a:p>
           <a:p>
             <a:pPr lvl="2"/>
             <a:r>
-              <a:rPr lang="en-US" smtClean="0"/>
+              <a:rPr lang="en-US"/>
               <a:t>Third level</a:t>
             </a:r>
           </a:p>
           <a:p>
             <a:pPr lvl="3"/>
             <a:r>
-              <a:rPr lang="en-US" smtClean="0"/>
+              <a:rPr lang="en-US"/>
               <a:t>Fourth level</a:t>
             </a:r>
           </a:p>
           <a:p>
             <a:pPr lvl="4"/>
             <a:r>
-              <a:rPr lang="en-US" smtClean="0"/>
+              <a:rPr lang="en-US"/>
               <a:t>Fifth level</a:t>
             </a:r>
-            <a:endParaRPr lang="en-US"/>
           </a:p>
         </p:txBody>
       </p:sp>
@@ -3328,7 +2412,7 @@
           <a:p>
             <a:pPr lvl="0"/>
             <a:r>
-              <a:rPr lang="en-US" smtClean="0"/>
+              <a:rPr lang="en-US"/>
               <a:t>Click to edit Master text styles</a:t>
             </a:r>
           </a:p>
@@ -3351,7 +2435,7 @@
           <a:p>
             <a:fld id="{AADE8FE6-F29D-8D45-A0A6-71FE9D3F776C}" type="datetimeFigureOut">
               <a:rPr lang="en-US" smtClean="0"/>
-              <a:t>1/18/18</a:t>
+              <a:t>1/27/18</a:t>
             </a:fld>
             <a:endParaRPr lang="en-US"/>
           </a:p>
@@ -3454,10 +2538,9 @@
           </a:lstStyle>
           <a:p>
             <a:r>
-              <a:rPr lang="en-US" smtClean="0"/>
+              <a:rPr lang="en-US"/>
               <a:t>Click to edit Master title style</a:t>
             </a:r>
-            <a:endParaRPr lang="en-US"/>
           </a:p>
         </p:txBody>
       </p:sp>
@@ -3581,7 +2664,7 @@
           <a:p>
             <a:pPr lvl="0"/>
             <a:r>
-              <a:rPr lang="en-US" smtClean="0"/>
+              <a:rPr lang="en-US"/>
               <a:t>Click to edit Master text styles</a:t>
             </a:r>
           </a:p>
@@ -3604,7 +2687,7 @@
           <a:p>
             <a:fld id="{AADE8FE6-F29D-8D45-A0A6-71FE9D3F776C}" type="datetimeFigureOut">
               <a:rPr lang="en-US" smtClean="0"/>
-              <a:t>1/18/18</a:t>
+              <a:t>1/27/18</a:t>
             </a:fld>
             <a:endParaRPr lang="en-US"/>
           </a:p>
@@ -3713,10 +2796,9 @@
           <a:lstStyle/>
           <a:p>
             <a:r>
-              <a:rPr lang="en-US" smtClean="0"/>
+              <a:rPr lang="en-US"/>
               <a:t>Click to edit Master title style</a:t>
             </a:r>
-            <a:endParaRPr lang="en-US"/>
           </a:p>
         </p:txBody>
       </p:sp>
@@ -3747,38 +2829,37 @@
           <a:p>
             <a:pPr lvl="0"/>
             <a:r>
-              <a:rPr lang="en-US" smtClean="0"/>
+              <a:rPr lang="en-US"/>
               <a:t>Click to edit Master text styles</a:t>
             </a:r>
           </a:p>
           <a:p>
             <a:pPr lvl="1"/>
             <a:r>
-              <a:rPr lang="en-US" smtClean="0"/>
+              <a:rPr lang="en-US"/>
               <a:t>Second level</a:t>
             </a:r>
           </a:p>
           <a:p>
             <a:pPr lvl="2"/>
             <a:r>
-              <a:rPr lang="en-US" smtClean="0"/>
+              <a:rPr lang="en-US"/>
               <a:t>Third level</a:t>
             </a:r>
           </a:p>
           <a:p>
             <a:pPr lvl="3"/>
             <a:r>
-              <a:rPr lang="en-US" smtClean="0"/>
+              <a:rPr lang="en-US"/>
               <a:t>Fourth level</a:t>
             </a:r>
           </a:p>
           <a:p>
             <a:pPr lvl="4"/>
             <a:r>
-              <a:rPr lang="en-US" smtClean="0"/>
+              <a:rPr lang="en-US"/>
               <a:t>Fifth level</a:t>
             </a:r>
-            <a:endParaRPr lang="en-US"/>
           </a:p>
         </p:txBody>
       </p:sp>
@@ -3817,7 +2898,7 @@
           <a:p>
             <a:fld id="{AADE8FE6-F29D-8D45-A0A6-71FE9D3F776C}" type="datetimeFigureOut">
               <a:rPr lang="en-US" smtClean="0"/>
-              <a:t>1/18/18</a:t>
+              <a:t>1/27/18</a:t>
             </a:fld>
             <a:endParaRPr lang="en-US"/>
           </a:p>
@@ -4265,7 +3346,7 @@
           <a:p>
             <a:pPr algn="ctr"/>
             <a:r>
-              <a:rPr lang="en-US" smtClean="0">
+              <a:rPr lang="en-US">
                 <a:solidFill>
                   <a:schemeClr val="tx1"/>
                 </a:solidFill>
@@ -4273,7 +3354,7 @@
               <a:t>Database</a:t>
             </a:r>
             <a:r>
-              <a:rPr lang="en-US" smtClean="0"/>
+              <a:rPr lang="en-US"/>
               <a:t>f</a:t>
             </a:r>
             <a:endParaRPr lang="en-US" dirty="0"/>
@@ -4323,7 +3404,7 @@
           <a:p>
             <a:pPr algn="ctr"/>
             <a:r>
-              <a:rPr lang="en-US" dirty="0" smtClean="0">
+              <a:rPr lang="en-US" dirty="0">
                 <a:solidFill>
                   <a:schemeClr val="tx1"/>
                 </a:solidFill>
@@ -4377,18 +3458,13 @@
           <a:p>
             <a:pPr algn="ctr"/>
             <a:r>
-              <a:rPr lang="en-US" dirty="0" smtClean="0">
+              <a:rPr lang="en-US" dirty="0">
                 <a:solidFill>
                   <a:schemeClr val="tx1"/>
                 </a:solidFill>
               </a:rPr>
               <a:t>View</a:t>
             </a:r>
-            <a:endParaRPr lang="en-US" dirty="0">
-              <a:solidFill>
-                <a:schemeClr val="tx1"/>
-              </a:solidFill>
-            </a:endParaRPr>
           </a:p>
         </p:txBody>
       </p:sp>
@@ -4453,10 +3529,9 @@
           <a:lstStyle/>
           <a:p>
             <a:r>
-              <a:rPr lang="en-US" dirty="0" smtClean="0"/>
+              <a:rPr lang="en-US" dirty="0"/>
               <a:t>Application Layer</a:t>
             </a:r>
-            <a:endParaRPr lang="en-US" dirty="0"/>
           </a:p>
         </p:txBody>
       </p:sp>
@@ -4483,10 +3558,9 @@
           <a:lstStyle/>
           <a:p>
             <a:r>
-              <a:rPr lang="en-US" dirty="0" smtClean="0"/>
+              <a:rPr lang="en-US" dirty="0"/>
               <a:t>Business Layer</a:t>
             </a:r>
-            <a:endParaRPr lang="en-US" dirty="0"/>
           </a:p>
         </p:txBody>
       </p:sp>
@@ -4513,10 +3587,9 @@
           <a:lstStyle/>
           <a:p>
             <a:r>
-              <a:rPr lang="en-US" dirty="0" smtClean="0"/>
+              <a:rPr lang="en-US" dirty="0"/>
               <a:t>Data Layer</a:t>
             </a:r>
-            <a:endParaRPr lang="en-US" dirty="0"/>
           </a:p>
         </p:txBody>
       </p:sp>
@@ -4563,7 +3636,7 @@
           <a:p>
             <a:pPr algn="ctr"/>
             <a:r>
-              <a:rPr lang="en-US" smtClean="0">
+              <a:rPr lang="en-US">
                 <a:solidFill>
                   <a:schemeClr val="tx1"/>
                 </a:solidFill>
@@ -4571,7 +3644,7 @@
               <a:t>Database</a:t>
             </a:r>
             <a:r>
-              <a:rPr lang="en-US" smtClean="0"/>
+              <a:rPr lang="en-US"/>
               <a:t>f</a:t>
             </a:r>
             <a:endParaRPr lang="en-US" dirty="0"/>
@@ -4621,7 +3694,7 @@
           <a:p>
             <a:pPr algn="ctr"/>
             <a:r>
-              <a:rPr lang="en-US" smtClean="0">
+              <a:rPr lang="en-US">
                 <a:solidFill>
                   <a:schemeClr val="tx1"/>
                 </a:solidFill>
@@ -4717,7 +3790,7 @@
           <a:p>
             <a:pPr algn="ctr"/>
             <a:r>
-              <a:rPr lang="en-US" smtClean="0">
+              <a:rPr lang="en-US">
                 <a:solidFill>
                   <a:schemeClr val="tx1"/>
                 </a:solidFill>
@@ -4775,7 +3848,7 @@
           <a:p>
             <a:pPr algn="ctr"/>
             <a:r>
-              <a:rPr lang="en-US" smtClean="0">
+              <a:rPr lang="en-US">
                 <a:solidFill>
                   <a:schemeClr val="tx1"/>
                 </a:solidFill>
@@ -4833,12 +3906,12 @@
           <a:p>
             <a:pPr algn="ctr"/>
             <a:r>
-              <a:rPr lang="en-US" sz="1100" dirty="0" smtClean="0">
+              <a:rPr lang="de-AT" sz="1100" dirty="0">
                 <a:solidFill>
                   <a:schemeClr val="tx1"/>
                 </a:solidFill>
               </a:rPr>
-              <a:t>Business-logic</a:t>
+              <a:t>Service</a:t>
             </a:r>
             <a:endParaRPr lang="en-US" sz="1100" dirty="0">
               <a:solidFill>
@@ -4891,18 +3964,13 @@
           <a:p>
             <a:pPr algn="ctr"/>
             <a:r>
-              <a:rPr lang="en-US" sz="1200" dirty="0" smtClean="0">
+              <a:rPr lang="en-US" sz="1200" dirty="0">
                 <a:solidFill>
                   <a:schemeClr val="tx1"/>
                 </a:solidFill>
               </a:rPr>
-              <a:t>Business-logic</a:t>
-            </a:r>
-            <a:endParaRPr lang="en-US" sz="1200" dirty="0">
-              <a:solidFill>
-                <a:schemeClr val="tx1"/>
-              </a:solidFill>
-            </a:endParaRPr>
+              <a:t>Service</a:t>
+            </a:r>
           </a:p>
         </p:txBody>
       </p:sp>
@@ -4949,13 +4017,26 @@
           <a:p>
             <a:pPr algn="ctr"/>
             <a:r>
-              <a:rPr lang="en-US" sz="1200" dirty="0" smtClean="0">
+              <a:rPr lang="de-AT" sz="1200" dirty="0">
                 <a:solidFill>
                   <a:schemeClr val="tx1"/>
                 </a:solidFill>
               </a:rPr>
-              <a:t>Business-logic</a:t>
-            </a:r>
+              <a:t>Se</a:t>
+            </a:r>
+            <a:r>
+              <a:rPr lang="en-US" sz="1200" dirty="0" err="1">
+                <a:solidFill>
+                  <a:schemeClr val="tx1"/>
+                </a:solidFill>
+              </a:rPr>
+              <a:t>rvice</a:t>
+            </a:r>
+            <a:endParaRPr lang="en-US" sz="1200" dirty="0">
+              <a:solidFill>
+                <a:schemeClr val="tx1"/>
+              </a:solidFill>
+            </a:endParaRPr>
           </a:p>
         </p:txBody>
       </p:sp>
@@ -5399,10 +4480,9 @@
           <a:p>
             <a:pPr algn="ctr"/>
             <a:r>
-              <a:rPr lang="en-US" smtClean="0"/>
+              <a:rPr lang="en-US"/>
               <a:t>Monolithic</a:t>
             </a:r>
-            <a:endParaRPr lang="en-US"/>
           </a:p>
         </p:txBody>
       </p:sp>
@@ -5430,13 +4510,102 @@
           <a:p>
             <a:pPr algn="ctr"/>
             <a:r>
-              <a:rPr lang="en-US" smtClean="0"/>
+              <a:rPr lang="en-US"/>
               <a:t>Microservice</a:t>
             </a:r>
             <a:endParaRPr lang="en-US" dirty="0"/>
           </a:p>
         </p:txBody>
       </p:sp>
+      <p:cxnSp>
+        <p:nvCxnSpPr>
+          <p:cNvPr id="5" name="Straight Connector 4">
+            <a:extLst>
+              <a:ext uri="{FF2B5EF4-FFF2-40B4-BE49-F238E27FC236}">
+                <a16:creationId xmlns:a16="http://schemas.microsoft.com/office/drawing/2014/main" id="{FDDB47D3-D691-6849-9A65-889296A753C9}"/>
+              </a:ext>
+            </a:extLst>
+          </p:cNvPr>
+          <p:cNvCxnSpPr>
+            <a:stCxn id="31" idx="3"/>
+            <a:endCxn id="32" idx="1"/>
+          </p:cNvCxnSpPr>
+          <p:nvPr/>
+        </p:nvCxnSpPr>
+        <p:spPr>
+          <a:xfrm>
+            <a:off x="8625016" y="3422137"/>
+            <a:ext cx="457199" cy="0"/>
+          </a:xfrm>
+          <a:prstGeom prst="line">
+            <a:avLst/>
+          </a:prstGeom>
+          <a:ln>
+            <a:solidFill>
+              <a:schemeClr val="tx1"/>
+            </a:solidFill>
+          </a:ln>
+        </p:spPr>
+        <p:style>
+          <a:lnRef idx="1">
+            <a:schemeClr val="accent1"/>
+          </a:lnRef>
+          <a:fillRef idx="0">
+            <a:schemeClr val="accent1"/>
+          </a:fillRef>
+          <a:effectRef idx="0">
+            <a:schemeClr val="accent1"/>
+          </a:effectRef>
+          <a:fontRef idx="minor">
+            <a:schemeClr val="tx1"/>
+          </a:fontRef>
+        </p:style>
+      </p:cxnSp>
+      <p:cxnSp>
+        <p:nvCxnSpPr>
+          <p:cNvPr id="35" name="Straight Connector 34">
+            <a:extLst>
+              <a:ext uri="{FF2B5EF4-FFF2-40B4-BE49-F238E27FC236}">
+                <a16:creationId xmlns:a16="http://schemas.microsoft.com/office/drawing/2014/main" id="{5BD4199C-A0F9-4747-8658-4F72FACB5EB1}"/>
+              </a:ext>
+            </a:extLst>
+          </p:cNvPr>
+          <p:cNvCxnSpPr>
+            <a:cxnSpLocks/>
+            <a:stCxn id="32" idx="3"/>
+            <a:endCxn id="33" idx="1"/>
+          </p:cNvCxnSpPr>
+          <p:nvPr/>
+        </p:nvCxnSpPr>
+        <p:spPr>
+          <a:xfrm flipV="1">
+            <a:off x="9971902" y="3422136"/>
+            <a:ext cx="457199" cy="1"/>
+          </a:xfrm>
+          <a:prstGeom prst="line">
+            <a:avLst/>
+          </a:prstGeom>
+          <a:ln>
+            <a:solidFill>
+              <a:schemeClr val="tx1"/>
+            </a:solidFill>
+          </a:ln>
+        </p:spPr>
+        <p:style>
+          <a:lnRef idx="1">
+            <a:schemeClr val="accent1"/>
+          </a:lnRef>
+          <a:fillRef idx="0">
+            <a:schemeClr val="accent1"/>
+          </a:fillRef>
+          <a:effectRef idx="0">
+            <a:schemeClr val="accent1"/>
+          </a:effectRef>
+          <a:fontRef idx="minor">
+            <a:schemeClr val="tx1"/>
+          </a:fontRef>
+        </p:style>
+      </p:cxnSp>
     </p:spTree>
     <p:extLst>
       <p:ext uri="{BB962C8B-B14F-4D97-AF65-F5344CB8AC3E}">
@@ -5447,13 +4616,6 @@
   <p:clrMapOvr>
     <a:masterClrMapping/>
   </p:clrMapOvr>
-  <p:timing>
-    <p:tnLst>
-      <p:par>
-        <p:cTn id="1" dur="indefinite" restart="never" nodeType="tmRoot"/>
-      </p:par>
-    </p:tnLst>
-  </p:timing>
 </p:sld>
 </file>
 
@@ -5476,39 +4638,37 @@
       </p:grpSpPr>
       <p:sp>
         <p:nvSpPr>
-          <p:cNvPr id="5" name="Rectangle 4"/>
+          <p:cNvPr id="4" name="Rectangle 3">
+            <a:extLst>
+              <a:ext uri="{FF2B5EF4-FFF2-40B4-BE49-F238E27FC236}">
+                <a16:creationId xmlns:a16="http://schemas.microsoft.com/office/drawing/2014/main" id="{6622FF51-F8AB-0A47-92A0-A9196D69F834}"/>
+              </a:ext>
+            </a:extLst>
+          </p:cNvPr>
           <p:cNvSpPr/>
           <p:nvPr/>
         </p:nvSpPr>
         <p:spPr>
           <a:xfrm>
-            <a:off x="527527" y="2851376"/>
-            <a:ext cx="3086010" cy="1285873"/>
+            <a:off x="1410564" y="531467"/>
+            <a:ext cx="9801981" cy="632400"/>
           </a:xfrm>
           <a:prstGeom prst="rect">
             <a:avLst/>
           </a:prstGeom>
-          <a:noFill/>
-          <a:ln>
-            <a:solidFill>
-              <a:schemeClr val="tx1"/>
-            </a:solidFill>
-          </a:ln>
         </p:spPr>
         <p:style>
           <a:lnRef idx="2">
-            <a:schemeClr val="accent1">
-              <a:shade val="50000"/>
-            </a:schemeClr>
+            <a:schemeClr val="dk1"/>
           </a:lnRef>
           <a:fillRef idx="1">
-            <a:schemeClr val="accent1"/>
+            <a:schemeClr val="lt1"/>
           </a:fillRef>
           <a:effectRef idx="0">
-            <a:schemeClr val="accent1"/>
+            <a:schemeClr val="dk1"/>
           </a:effectRef>
           <a:fontRef idx="minor">
-            <a:schemeClr val="lt1"/>
+            <a:schemeClr val="dk1"/>
           </a:fontRef>
         </p:style>
         <p:txBody>
@@ -5517,857 +4677,472 @@
           <a:p>
             <a:pPr algn="ctr"/>
             <a:r>
-              <a:rPr lang="en-US" smtClean="0">
-                <a:solidFill>
-                  <a:schemeClr val="tx1"/>
-                </a:solidFill>
-              </a:rPr>
-              <a:t>Database</a:t>
-            </a:r>
-            <a:r>
-              <a:rPr lang="en-US" smtClean="0"/>
-              <a:t>f</a:t>
+              <a:rPr lang="de-AT" dirty="0"/>
+              <a:t>World Wide Web</a:t>
             </a:r>
             <a:endParaRPr lang="en-US" dirty="0"/>
           </a:p>
         </p:txBody>
       </p:sp>
-      <p:sp>
-        <p:nvSpPr>
-          <p:cNvPr id="6" name="Rectangle 5"/>
-          <p:cNvSpPr/>
+      <p:grpSp>
+        <p:nvGrpSpPr>
+          <p:cNvPr id="47" name="Group 46">
+            <a:extLst>
+              <a:ext uri="{FF2B5EF4-FFF2-40B4-BE49-F238E27FC236}">
+                <a16:creationId xmlns:a16="http://schemas.microsoft.com/office/drawing/2014/main" id="{98366E31-779A-CC46-BB1B-CD2A20104F9F}"/>
+              </a:ext>
+            </a:extLst>
+          </p:cNvPr>
+          <p:cNvGrpSpPr/>
           <p:nvPr/>
-        </p:nvSpPr>
-        <p:spPr>
-          <a:xfrm>
-            <a:off x="4142063" y="1789609"/>
-            <a:ext cx="3983034" cy="3409405"/>
-          </a:xfrm>
-          <a:prstGeom prst="rect">
-            <a:avLst/>
-          </a:prstGeom>
-          <a:noFill/>
-          <a:ln>
-            <a:solidFill>
+        </p:nvGrpSpPr>
+        <p:grpSpPr>
+          <a:xfrm>
+            <a:off x="1410565" y="2249599"/>
+            <a:ext cx="9801981" cy="4046697"/>
+            <a:chOff x="482885" y="2889680"/>
+            <a:chExt cx="6986430" cy="3287192"/>
+          </a:xfrm>
+        </p:grpSpPr>
+        <p:sp>
+          <p:nvSpPr>
+            <p:cNvPr id="7" name="Rectangle 6">
+              <a:extLst>
+                <a:ext uri="{FF2B5EF4-FFF2-40B4-BE49-F238E27FC236}">
+                  <a16:creationId xmlns:a16="http://schemas.microsoft.com/office/drawing/2014/main" id="{33598802-CD14-9644-A453-C30C8D360B14}"/>
+                </a:ext>
+              </a:extLst>
+            </p:cNvPr>
+            <p:cNvSpPr/>
+            <p:nvPr/>
+          </p:nvSpPr>
+          <p:spPr>
+            <a:xfrm>
+              <a:off x="744874" y="3418528"/>
+              <a:ext cx="6441899" cy="359596"/>
+            </a:xfrm>
+            <a:prstGeom prst="rect">
+              <a:avLst/>
+            </a:prstGeom>
+          </p:spPr>
+          <p:style>
+            <a:lnRef idx="2">
+              <a:schemeClr val="dk1"/>
+            </a:lnRef>
+            <a:fillRef idx="1">
+              <a:schemeClr val="lt1"/>
+            </a:fillRef>
+            <a:effectRef idx="0">
+              <a:schemeClr val="dk1"/>
+            </a:effectRef>
+            <a:fontRef idx="minor">
+              <a:schemeClr val="dk1"/>
+            </a:fontRef>
+          </p:style>
+          <p:txBody>
+            <a:bodyPr rtlCol="0" anchor="ctr"/>
+            <a:lstStyle/>
+            <a:p>
+              <a:pPr algn="ctr"/>
+              <a:r>
+                <a:rPr lang="de-AT" dirty="0" err="1"/>
+                <a:t>RESTful</a:t>
+              </a:r>
+              <a:r>
+                <a:rPr lang="de-AT" dirty="0"/>
+                <a:t> Web Interface (YAML, </a:t>
+              </a:r>
+              <a:r>
+                <a:rPr lang="de-AT" dirty="0" err="1"/>
+                <a:t>connexion</a:t>
+              </a:r>
+              <a:r>
+                <a:rPr lang="de-AT" dirty="0"/>
+                <a:t>)</a:t>
+              </a:r>
+              <a:endParaRPr lang="en-US" dirty="0"/>
+            </a:p>
+          </p:txBody>
+        </p:sp>
+        <p:sp>
+          <p:nvSpPr>
+            <p:cNvPr id="20" name="Rectangle 19">
+              <a:extLst>
+                <a:ext uri="{FF2B5EF4-FFF2-40B4-BE49-F238E27FC236}">
+                  <a16:creationId xmlns:a16="http://schemas.microsoft.com/office/drawing/2014/main" id="{3BC12E4F-0EB0-3C45-A72F-09758AD16BE2}"/>
+                </a:ext>
+              </a:extLst>
+            </p:cNvPr>
+            <p:cNvSpPr/>
+            <p:nvPr/>
+          </p:nvSpPr>
+          <p:spPr>
+            <a:xfrm>
+              <a:off x="1640635" y="5349226"/>
+              <a:ext cx="4650377" cy="393991"/>
+            </a:xfrm>
+            <a:prstGeom prst="rect">
+              <a:avLst/>
+            </a:prstGeom>
+          </p:spPr>
+          <p:style>
+            <a:lnRef idx="2">
+              <a:schemeClr val="dk1"/>
+            </a:lnRef>
+            <a:fillRef idx="1">
+              <a:schemeClr val="lt1"/>
+            </a:fillRef>
+            <a:effectRef idx="0">
+              <a:schemeClr val="dk1"/>
+            </a:effectRef>
+            <a:fontRef idx="minor">
+              <a:schemeClr val="dk1"/>
+            </a:fontRef>
+          </p:style>
+          <p:txBody>
+            <a:bodyPr rtlCol="0" anchor="ctr"/>
+            <a:lstStyle/>
+            <a:p>
+              <a:pPr algn="ctr"/>
+              <a:r>
+                <a:rPr lang="de-AT" dirty="0"/>
+                <a:t>Database (</a:t>
+              </a:r>
+              <a:r>
+                <a:rPr lang="de-AT" dirty="0" err="1"/>
+                <a:t>postgres</a:t>
+              </a:r>
+              <a:r>
+                <a:rPr lang="de-AT" dirty="0"/>
+                <a:t>)</a:t>
+              </a:r>
+              <a:endParaRPr lang="en-US" dirty="0"/>
+            </a:p>
+          </p:txBody>
+        </p:sp>
+        <p:sp>
+          <p:nvSpPr>
+            <p:cNvPr id="26" name="Rectangle 25">
+              <a:extLst>
+                <a:ext uri="{FF2B5EF4-FFF2-40B4-BE49-F238E27FC236}">
+                  <a16:creationId xmlns:a16="http://schemas.microsoft.com/office/drawing/2014/main" id="{A11F1F3F-BE52-2542-ACCE-3D464BC2BFC0}"/>
+                </a:ext>
+              </a:extLst>
+            </p:cNvPr>
+            <p:cNvSpPr/>
+            <p:nvPr/>
+          </p:nvSpPr>
+          <p:spPr>
+            <a:xfrm>
+              <a:off x="482885" y="2889680"/>
+              <a:ext cx="6986430" cy="3287192"/>
+            </a:xfrm>
+            <a:prstGeom prst="rect">
+              <a:avLst/>
+            </a:prstGeom>
+            <a:noFill/>
+          </p:spPr>
+          <p:style>
+            <a:lnRef idx="2">
+              <a:schemeClr val="dk1"/>
+            </a:lnRef>
+            <a:fillRef idx="1">
+              <a:schemeClr val="lt1"/>
+            </a:fillRef>
+            <a:effectRef idx="0">
+              <a:schemeClr val="dk1"/>
+            </a:effectRef>
+            <a:fontRef idx="minor">
+              <a:schemeClr val="dk1"/>
+            </a:fontRef>
+          </p:style>
+          <p:txBody>
+            <a:bodyPr tIns="144000" rtlCol="0" anchor="t" anchorCtr="0"/>
+            <a:lstStyle/>
+            <a:p>
+              <a:pPr algn="ctr"/>
+              <a:r>
+                <a:rPr lang="de-AT" dirty="0"/>
+                <a:t>Web Service</a:t>
+              </a:r>
+              <a:endParaRPr lang="en-US" dirty="0"/>
+            </a:p>
+          </p:txBody>
+        </p:sp>
+        <p:sp>
+          <p:nvSpPr>
+            <p:cNvPr id="28" name="Rectangle 27">
+              <a:extLst>
+                <a:ext uri="{FF2B5EF4-FFF2-40B4-BE49-F238E27FC236}">
+                  <a16:creationId xmlns:a16="http://schemas.microsoft.com/office/drawing/2014/main" id="{E0EB30DB-45BF-E346-9594-1EA3DBFA498E}"/>
+                </a:ext>
+              </a:extLst>
+            </p:cNvPr>
+            <p:cNvSpPr/>
+            <p:nvPr/>
+          </p:nvSpPr>
+          <p:spPr>
+            <a:xfrm>
+              <a:off x="744876" y="3978470"/>
+              <a:ext cx="6441899" cy="1847564"/>
+            </a:xfrm>
+            <a:prstGeom prst="rect">
+              <a:avLst/>
+            </a:prstGeom>
+            <a:noFill/>
+          </p:spPr>
+          <p:style>
+            <a:lnRef idx="2">
+              <a:schemeClr val="dk1"/>
+            </a:lnRef>
+            <a:fillRef idx="1">
+              <a:schemeClr val="lt1"/>
+            </a:fillRef>
+            <a:effectRef idx="0">
+              <a:schemeClr val="dk1"/>
+            </a:effectRef>
+            <a:fontRef idx="minor">
+              <a:schemeClr val="dk1"/>
+            </a:fontRef>
+          </p:style>
+          <p:txBody>
+            <a:bodyPr rtlCol="0" anchor="t" anchorCtr="0"/>
+            <a:lstStyle/>
+            <a:p>
+              <a:pPr algn="ctr"/>
+              <a:r>
+                <a:rPr lang="de-AT" dirty="0"/>
+                <a:t>Business-</a:t>
+              </a:r>
+              <a:r>
+                <a:rPr lang="de-AT" dirty="0" err="1"/>
+                <a:t>logic</a:t>
+              </a:r>
+              <a:endParaRPr lang="en-US" dirty="0"/>
+            </a:p>
+          </p:txBody>
+        </p:sp>
+        <p:sp>
+          <p:nvSpPr>
+            <p:cNvPr id="30" name="Rectangle 29">
+              <a:extLst>
+                <a:ext uri="{FF2B5EF4-FFF2-40B4-BE49-F238E27FC236}">
+                  <a16:creationId xmlns:a16="http://schemas.microsoft.com/office/drawing/2014/main" id="{8A9E75DA-F56B-464B-B1F0-3E3FAD693655}"/>
+                </a:ext>
+              </a:extLst>
+            </p:cNvPr>
+            <p:cNvSpPr/>
+            <p:nvPr/>
+          </p:nvSpPr>
+          <p:spPr>
+            <a:xfrm>
+              <a:off x="1640635" y="4792680"/>
+              <a:ext cx="4650377" cy="356200"/>
+            </a:xfrm>
+            <a:prstGeom prst="rect">
+              <a:avLst/>
+            </a:prstGeom>
+          </p:spPr>
+          <p:style>
+            <a:lnRef idx="2">
+              <a:schemeClr val="dk1"/>
+            </a:lnRef>
+            <a:fillRef idx="1">
+              <a:schemeClr val="lt1"/>
+            </a:fillRef>
+            <a:effectRef idx="0">
+              <a:schemeClr val="dk1"/>
+            </a:effectRef>
+            <a:fontRef idx="minor">
+              <a:schemeClr val="dk1"/>
+            </a:fontRef>
+          </p:style>
+          <p:txBody>
+            <a:bodyPr rtlCol="0" anchor="ctr"/>
+            <a:lstStyle/>
+            <a:p>
+              <a:pPr algn="ctr"/>
+              <a:r>
+                <a:rPr lang="de-AT" dirty="0"/>
+                <a:t>DAO (Python</a:t>
+              </a:r>
+              <a:r>
+                <a:rPr lang="de-AT"/>
+                <a:t>, psycopg2)</a:t>
+              </a:r>
+              <a:endParaRPr lang="en-US" dirty="0"/>
+            </a:p>
+          </p:txBody>
+        </p:sp>
+        <p:cxnSp>
+          <p:nvCxnSpPr>
+            <p:cNvPr id="36" name="Straight Connector 35">
+              <a:extLst>
+                <a:ext uri="{FF2B5EF4-FFF2-40B4-BE49-F238E27FC236}">
+                  <a16:creationId xmlns:a16="http://schemas.microsoft.com/office/drawing/2014/main" id="{C7D06D99-FF62-E842-85EF-A50BC71D4906}"/>
+                </a:ext>
+              </a:extLst>
+            </p:cNvPr>
+            <p:cNvCxnSpPr>
+              <a:cxnSpLocks/>
+              <a:stCxn id="30" idx="2"/>
+              <a:endCxn id="20" idx="0"/>
+            </p:cNvCxnSpPr>
+            <p:nvPr/>
+          </p:nvCxnSpPr>
+          <p:spPr>
+            <a:xfrm>
+              <a:off x="3965824" y="5148880"/>
+              <a:ext cx="0" cy="200346"/>
+            </a:xfrm>
+            <a:prstGeom prst="line">
+              <a:avLst/>
+            </a:prstGeom>
+          </p:spPr>
+          <p:style>
+            <a:lnRef idx="1">
+              <a:schemeClr val="dk1"/>
+            </a:lnRef>
+            <a:fillRef idx="0">
+              <a:schemeClr val="dk1"/>
+            </a:fillRef>
+            <a:effectRef idx="0">
+              <a:schemeClr val="dk1"/>
+            </a:effectRef>
+            <a:fontRef idx="minor">
               <a:schemeClr val="tx1"/>
-            </a:solidFill>
-          </a:ln>
+            </a:fontRef>
+          </p:style>
+        </p:cxnSp>
+        <p:cxnSp>
+          <p:nvCxnSpPr>
+            <p:cNvPr id="37" name="Straight Connector 36">
+              <a:extLst>
+                <a:ext uri="{FF2B5EF4-FFF2-40B4-BE49-F238E27FC236}">
+                  <a16:creationId xmlns:a16="http://schemas.microsoft.com/office/drawing/2014/main" id="{45E68F81-F9FA-A042-91AF-43219C7730CA}"/>
+                </a:ext>
+              </a:extLst>
+            </p:cNvPr>
+            <p:cNvCxnSpPr>
+              <a:cxnSpLocks/>
+              <a:stCxn id="7" idx="2"/>
+              <a:endCxn id="28" idx="0"/>
+            </p:cNvCxnSpPr>
+            <p:nvPr/>
+          </p:nvCxnSpPr>
+          <p:spPr>
+            <a:xfrm>
+              <a:off x="3965824" y="3778124"/>
+              <a:ext cx="2" cy="200346"/>
+            </a:xfrm>
+            <a:prstGeom prst="line">
+              <a:avLst/>
+            </a:prstGeom>
+          </p:spPr>
+          <p:style>
+            <a:lnRef idx="1">
+              <a:schemeClr val="dk1"/>
+            </a:lnRef>
+            <a:fillRef idx="0">
+              <a:schemeClr val="dk1"/>
+            </a:fillRef>
+            <a:effectRef idx="0">
+              <a:schemeClr val="dk1"/>
+            </a:effectRef>
+            <a:fontRef idx="minor">
+              <a:schemeClr val="tx1"/>
+            </a:fontRef>
+          </p:style>
+        </p:cxnSp>
+        <p:sp>
+          <p:nvSpPr>
+            <p:cNvPr id="19" name="Rectangle 18">
+              <a:extLst>
+                <a:ext uri="{FF2B5EF4-FFF2-40B4-BE49-F238E27FC236}">
+                  <a16:creationId xmlns:a16="http://schemas.microsoft.com/office/drawing/2014/main" id="{6EC60BA8-5ED3-A74C-A86B-056B18564866}"/>
+                </a:ext>
+              </a:extLst>
+            </p:cNvPr>
+            <p:cNvSpPr/>
+            <p:nvPr/>
+          </p:nvSpPr>
+          <p:spPr>
+            <a:xfrm>
+              <a:off x="1640635" y="4436480"/>
+              <a:ext cx="4650377" cy="356200"/>
+            </a:xfrm>
+            <a:prstGeom prst="rect">
+              <a:avLst/>
+            </a:prstGeom>
+          </p:spPr>
+          <p:style>
+            <a:lnRef idx="2">
+              <a:schemeClr val="dk1"/>
+            </a:lnRef>
+            <a:fillRef idx="1">
+              <a:schemeClr val="lt1"/>
+            </a:fillRef>
+            <a:effectRef idx="0">
+              <a:schemeClr val="dk1"/>
+            </a:effectRef>
+            <a:fontRef idx="minor">
+              <a:schemeClr val="dk1"/>
+            </a:fontRef>
+          </p:style>
+          <p:txBody>
+            <a:bodyPr rtlCol="0" anchor="ctr"/>
+            <a:lstStyle/>
+            <a:p>
+              <a:pPr algn="ctr"/>
+              <a:r>
+                <a:rPr lang="de-AT" dirty="0"/>
+                <a:t>Controllers (Python)</a:t>
+              </a:r>
+              <a:endParaRPr lang="en-US" dirty="0"/>
+            </a:p>
+          </p:txBody>
+        </p:sp>
+      </p:grpSp>
+      <p:cxnSp>
+        <p:nvCxnSpPr>
+          <p:cNvPr id="45" name="Straight Connector 44">
+            <a:extLst>
+              <a:ext uri="{FF2B5EF4-FFF2-40B4-BE49-F238E27FC236}">
+                <a16:creationId xmlns:a16="http://schemas.microsoft.com/office/drawing/2014/main" id="{E647F073-EB9B-8A4F-A998-5E7F8556D524}"/>
+              </a:ext>
+            </a:extLst>
+          </p:cNvPr>
+          <p:cNvCxnSpPr/>
+          <p:nvPr/>
+        </p:nvCxnSpPr>
+        <p:spPr>
+          <a:xfrm>
+            <a:off x="6311556" y="1163867"/>
+            <a:ext cx="1" cy="1085732"/>
+          </a:xfrm>
+          <a:prstGeom prst="line">
+            <a:avLst/>
+          </a:prstGeom>
         </p:spPr>
         <p:style>
-          <a:lnRef idx="2">
-            <a:schemeClr val="accent1">
-              <a:shade val="50000"/>
-            </a:schemeClr>
+          <a:lnRef idx="1">
+            <a:schemeClr val="dk1"/>
           </a:lnRef>
-          <a:fillRef idx="1">
-            <a:schemeClr val="accent1"/>
+          <a:fillRef idx="0">
+            <a:schemeClr val="dk1"/>
           </a:fillRef>
           <a:effectRef idx="0">
-            <a:schemeClr val="accent1"/>
-          </a:effectRef>
-          <a:fontRef idx="minor">
-            <a:schemeClr val="lt1"/>
-          </a:fontRef>
-        </p:style>
-        <p:txBody>
-          <a:bodyPr rtlCol="0" anchor="ctr"/>
-          <a:lstStyle/>
-          <a:p>
-            <a:pPr algn="ctr"/>
-            <a:endParaRPr lang="en-US" dirty="0"/>
-          </a:p>
-        </p:txBody>
-      </p:sp>
-      <p:sp>
-        <p:nvSpPr>
-          <p:cNvPr id="7" name="Rectangle 6"/>
-          <p:cNvSpPr/>
-          <p:nvPr/>
-        </p:nvSpPr>
-        <p:spPr>
-          <a:xfrm>
-            <a:off x="8123802" y="2862549"/>
-            <a:ext cx="3487783" cy="1285874"/>
-          </a:xfrm>
-          <a:prstGeom prst="rect">
-            <a:avLst/>
-          </a:prstGeom>
-          <a:noFill/>
-          <a:ln>
-            <a:solidFill>
-              <a:schemeClr val="tx1"/>
-            </a:solidFill>
-          </a:ln>
-        </p:spPr>
-        <p:style>
-          <a:lnRef idx="2">
-            <a:schemeClr val="accent1">
-              <a:shade val="50000"/>
-            </a:schemeClr>
-          </a:lnRef>
-          <a:fillRef idx="1">
-            <a:schemeClr val="accent1"/>
-          </a:fillRef>
-          <a:effectRef idx="0">
-            <a:schemeClr val="accent1"/>
-          </a:effectRef>
-          <a:fontRef idx="minor">
-            <a:schemeClr val="lt1"/>
-          </a:fontRef>
-        </p:style>
-        <p:txBody>
-          <a:bodyPr rtlCol="0" anchor="ctr"/>
-          <a:lstStyle/>
-          <a:p>
-            <a:pPr algn="ctr"/>
-            <a:r>
-              <a:rPr lang="en-US" dirty="0" smtClean="0">
-                <a:solidFill>
-                  <a:schemeClr val="tx1"/>
-                </a:solidFill>
-              </a:rPr>
-              <a:t>View</a:t>
-            </a:r>
-            <a:endParaRPr lang="en-US" dirty="0">
-              <a:solidFill>
-                <a:schemeClr val="tx1"/>
-              </a:solidFill>
-            </a:endParaRPr>
-          </a:p>
-        </p:txBody>
-      </p:sp>
-      <p:cxnSp>
-        <p:nvCxnSpPr>
-          <p:cNvPr id="8" name="Straight Connector 7"/>
-          <p:cNvCxnSpPr>
-            <a:stCxn id="5" idx="3"/>
-            <a:endCxn id="6" idx="1"/>
-          </p:cNvCxnSpPr>
-          <p:nvPr/>
-        </p:nvCxnSpPr>
-        <p:spPr>
-          <a:xfrm flipV="1">
-            <a:off x="3613537" y="3494312"/>
-            <a:ext cx="528526" cy="1"/>
-          </a:xfrm>
-          <a:prstGeom prst="line">
-            <a:avLst/>
-          </a:prstGeom>
-          <a:ln>
-            <a:solidFill>
-              <a:schemeClr val="tx1"/>
-            </a:solidFill>
-          </a:ln>
-        </p:spPr>
-        <p:style>
-          <a:lnRef idx="1">
-            <a:schemeClr val="accent1"/>
-          </a:lnRef>
-          <a:fillRef idx="0">
-            <a:schemeClr val="accent1"/>
-          </a:fillRef>
-          <a:effectRef idx="0">
-            <a:schemeClr val="accent1"/>
+            <a:schemeClr val="dk1"/>
           </a:effectRef>
           <a:fontRef idx="minor">
             <a:schemeClr val="tx1"/>
           </a:fontRef>
         </p:style>
       </p:cxnSp>
-      <p:sp>
-        <p:nvSpPr>
-          <p:cNvPr id="9" name="TextBox 8"/>
-          <p:cNvSpPr txBox="1"/>
-          <p:nvPr/>
-        </p:nvSpPr>
-        <p:spPr>
-          <a:xfrm>
-            <a:off x="8489798" y="988077"/>
-            <a:ext cx="2545491" cy="369332"/>
-          </a:xfrm>
-          <a:prstGeom prst="rect">
-            <a:avLst/>
-          </a:prstGeom>
-          <a:noFill/>
-        </p:spPr>
-        <p:txBody>
-          <a:bodyPr wrap="square" rtlCol="0">
-            <a:spAutoFit/>
-          </a:bodyPr>
-          <a:lstStyle/>
-          <a:p>
-            <a:pPr algn="ctr"/>
-            <a:r>
-              <a:rPr lang="en-US" dirty="0" smtClean="0"/>
-              <a:t>Application Layer</a:t>
-            </a:r>
-            <a:endParaRPr lang="en-US" dirty="0"/>
-          </a:p>
-        </p:txBody>
-      </p:sp>
-      <p:sp>
-        <p:nvSpPr>
-          <p:cNvPr id="10" name="TextBox 9"/>
-          <p:cNvSpPr txBox="1"/>
-          <p:nvPr/>
-        </p:nvSpPr>
-        <p:spPr>
-          <a:xfrm>
-            <a:off x="4860834" y="979223"/>
-            <a:ext cx="2545491" cy="369332"/>
-          </a:xfrm>
-          <a:prstGeom prst="rect">
-            <a:avLst/>
-          </a:prstGeom>
-          <a:noFill/>
-        </p:spPr>
-        <p:txBody>
-          <a:bodyPr wrap="square" rtlCol="0">
-            <a:spAutoFit/>
-          </a:bodyPr>
-          <a:lstStyle/>
-          <a:p>
-            <a:pPr algn="ctr"/>
-            <a:r>
-              <a:rPr lang="en-US" dirty="0" smtClean="0"/>
-              <a:t>Business Layer</a:t>
-            </a:r>
-            <a:endParaRPr lang="en-US" dirty="0"/>
-          </a:p>
-        </p:txBody>
-      </p:sp>
-      <p:sp>
-        <p:nvSpPr>
-          <p:cNvPr id="11" name="TextBox 10"/>
-          <p:cNvSpPr txBox="1"/>
-          <p:nvPr/>
-        </p:nvSpPr>
-        <p:spPr>
-          <a:xfrm>
-            <a:off x="841850" y="972100"/>
-            <a:ext cx="2545491" cy="369332"/>
-          </a:xfrm>
-          <a:prstGeom prst="rect">
-            <a:avLst/>
-          </a:prstGeom>
-          <a:noFill/>
-        </p:spPr>
-        <p:txBody>
-          <a:bodyPr wrap="square" rtlCol="0">
-            <a:spAutoFit/>
-          </a:bodyPr>
-          <a:lstStyle/>
-          <a:p>
-            <a:pPr algn="ctr"/>
-            <a:r>
-              <a:rPr lang="en-US" dirty="0" smtClean="0"/>
-              <a:t>Data Layer</a:t>
-            </a:r>
-            <a:endParaRPr lang="en-US" dirty="0"/>
-          </a:p>
-        </p:txBody>
-      </p:sp>
-      <p:sp>
-        <p:nvSpPr>
-          <p:cNvPr id="26" name="TextBox 25"/>
-          <p:cNvSpPr txBox="1"/>
-          <p:nvPr/>
-        </p:nvSpPr>
-        <p:spPr>
-          <a:xfrm>
-            <a:off x="5371993" y="1932593"/>
-            <a:ext cx="1523174" cy="369332"/>
-          </a:xfrm>
-          <a:prstGeom prst="rect">
-            <a:avLst/>
-          </a:prstGeom>
-          <a:noFill/>
-        </p:spPr>
-        <p:txBody>
-          <a:bodyPr wrap="none" rtlCol="0">
-            <a:spAutoFit/>
-          </a:bodyPr>
-          <a:lstStyle/>
-          <a:p>
-            <a:r>
-              <a:rPr lang="en-US" smtClean="0"/>
-              <a:t>Business Logic</a:t>
-            </a:r>
-            <a:endParaRPr lang="en-US"/>
-          </a:p>
-        </p:txBody>
-      </p:sp>
-      <p:sp>
-        <p:nvSpPr>
-          <p:cNvPr id="27" name="Rectangle 26"/>
-          <p:cNvSpPr/>
-          <p:nvPr/>
-        </p:nvSpPr>
-        <p:spPr>
-          <a:xfrm>
-            <a:off x="4866136" y="2508781"/>
-            <a:ext cx="1161622" cy="707537"/>
-          </a:xfrm>
-          <a:prstGeom prst="rect">
-            <a:avLst/>
-          </a:prstGeom>
-          <a:noFill/>
-          <a:ln>
-            <a:solidFill>
-              <a:schemeClr val="tx1"/>
-            </a:solidFill>
-          </a:ln>
-        </p:spPr>
-        <p:style>
-          <a:lnRef idx="2">
-            <a:schemeClr val="accent1">
-              <a:shade val="50000"/>
-            </a:schemeClr>
-          </a:lnRef>
-          <a:fillRef idx="1">
-            <a:schemeClr val="accent1"/>
-          </a:fillRef>
-          <a:effectRef idx="0">
-            <a:schemeClr val="accent1"/>
-          </a:effectRef>
-          <a:fontRef idx="minor">
-            <a:schemeClr val="lt1"/>
-          </a:fontRef>
-        </p:style>
-        <p:txBody>
-          <a:bodyPr rtlCol="0" anchor="ctr"/>
-          <a:lstStyle/>
-          <a:p>
-            <a:pPr algn="ctr"/>
-            <a:r>
-              <a:rPr lang="en-US" smtClean="0">
-                <a:solidFill>
-                  <a:schemeClr val="tx1"/>
-                </a:solidFill>
-              </a:rPr>
-              <a:t>Module 1</a:t>
-            </a:r>
-            <a:endParaRPr lang="en-US" dirty="0"/>
-          </a:p>
-        </p:txBody>
-      </p:sp>
-      <p:sp>
-        <p:nvSpPr>
-          <p:cNvPr id="28" name="Rectangle 27"/>
-          <p:cNvSpPr/>
-          <p:nvPr/>
-        </p:nvSpPr>
-        <p:spPr>
-          <a:xfrm>
-            <a:off x="6009488" y="3355316"/>
-            <a:ext cx="1161622" cy="707537"/>
-          </a:xfrm>
-          <a:prstGeom prst="rect">
-            <a:avLst/>
-          </a:prstGeom>
-          <a:noFill/>
-          <a:ln>
-            <a:solidFill>
-              <a:schemeClr val="tx1"/>
-            </a:solidFill>
-          </a:ln>
-        </p:spPr>
-        <p:style>
-          <a:lnRef idx="2">
-            <a:schemeClr val="accent1">
-              <a:shade val="50000"/>
-            </a:schemeClr>
-          </a:lnRef>
-          <a:fillRef idx="1">
-            <a:schemeClr val="accent1"/>
-          </a:fillRef>
-          <a:effectRef idx="0">
-            <a:schemeClr val="accent1"/>
-          </a:effectRef>
-          <a:fontRef idx="minor">
-            <a:schemeClr val="lt1"/>
-          </a:fontRef>
-        </p:style>
-        <p:txBody>
-          <a:bodyPr rtlCol="0" anchor="ctr"/>
-          <a:lstStyle/>
-          <a:p>
-            <a:pPr algn="ctr"/>
-            <a:r>
-              <a:rPr lang="en-US" dirty="0" smtClean="0">
-                <a:solidFill>
-                  <a:schemeClr val="tx1"/>
-                </a:solidFill>
-              </a:rPr>
-              <a:t>Module 2</a:t>
-            </a:r>
-            <a:endParaRPr lang="en-US" dirty="0"/>
-          </a:p>
-        </p:txBody>
-      </p:sp>
-      <p:sp>
-        <p:nvSpPr>
-          <p:cNvPr id="29" name="Rectangle 28"/>
-          <p:cNvSpPr/>
-          <p:nvPr/>
-        </p:nvSpPr>
-        <p:spPr>
-          <a:xfrm>
-            <a:off x="5176982" y="4364909"/>
-            <a:ext cx="1161622" cy="707537"/>
-          </a:xfrm>
-          <a:prstGeom prst="rect">
-            <a:avLst/>
-          </a:prstGeom>
-          <a:noFill/>
-          <a:ln>
-            <a:solidFill>
-              <a:schemeClr val="tx1"/>
-            </a:solidFill>
-          </a:ln>
-        </p:spPr>
-        <p:style>
-          <a:lnRef idx="2">
-            <a:schemeClr val="accent1">
-              <a:shade val="50000"/>
-            </a:schemeClr>
-          </a:lnRef>
-          <a:fillRef idx="1">
-            <a:schemeClr val="accent1"/>
-          </a:fillRef>
-          <a:effectRef idx="0">
-            <a:schemeClr val="accent1"/>
-          </a:effectRef>
-          <a:fontRef idx="minor">
-            <a:schemeClr val="lt1"/>
-          </a:fontRef>
-        </p:style>
-        <p:txBody>
-          <a:bodyPr rtlCol="0" anchor="ctr"/>
-          <a:lstStyle/>
-          <a:p>
-            <a:pPr algn="ctr"/>
-            <a:r>
-              <a:rPr lang="en-US" dirty="0" smtClean="0">
-                <a:solidFill>
-                  <a:schemeClr val="tx1"/>
-                </a:solidFill>
-              </a:rPr>
-              <a:t>Module 3</a:t>
-            </a:r>
-            <a:endParaRPr lang="en-US" dirty="0"/>
-          </a:p>
-        </p:txBody>
-      </p:sp>
-      <p:cxnSp>
-        <p:nvCxnSpPr>
-          <p:cNvPr id="31" name="Elbow Connector 30"/>
-          <p:cNvCxnSpPr>
-            <a:endCxn id="28" idx="0"/>
-          </p:cNvCxnSpPr>
-          <p:nvPr/>
-        </p:nvCxnSpPr>
-        <p:spPr>
-          <a:xfrm>
-            <a:off x="6016451" y="3004900"/>
-            <a:ext cx="573848" cy="350416"/>
-          </a:xfrm>
-          <a:prstGeom prst="bentConnector2">
-            <a:avLst/>
-          </a:prstGeom>
-          <a:ln>
-            <a:solidFill>
-              <a:schemeClr val="tx1"/>
-            </a:solidFill>
-            <a:tailEnd type="triangle"/>
-          </a:ln>
-        </p:spPr>
-        <p:style>
-          <a:lnRef idx="1">
-            <a:schemeClr val="accent1"/>
-          </a:lnRef>
-          <a:fillRef idx="0">
-            <a:schemeClr val="accent1"/>
-          </a:fillRef>
-          <a:effectRef idx="0">
-            <a:schemeClr val="accent1"/>
-          </a:effectRef>
-          <a:fontRef idx="minor">
-            <a:schemeClr val="tx1"/>
-          </a:fontRef>
-        </p:style>
-      </p:cxnSp>
-      <p:cxnSp>
-        <p:nvCxnSpPr>
-          <p:cNvPr id="33" name="Elbow Connector 32"/>
-          <p:cNvCxnSpPr>
-            <a:stCxn id="27" idx="2"/>
-            <a:endCxn id="29" idx="0"/>
-          </p:cNvCxnSpPr>
-          <p:nvPr/>
-        </p:nvCxnSpPr>
-        <p:spPr>
-          <a:xfrm rot="16200000" flipH="1">
-            <a:off x="5028075" y="3635190"/>
-            <a:ext cx="1148591" cy="310846"/>
-          </a:xfrm>
-          <a:prstGeom prst="bentConnector3">
-            <a:avLst>
-              <a:gd name="adj1" fmla="val 50000"/>
-            </a:avLst>
-          </a:prstGeom>
-          <a:ln>
-            <a:solidFill>
-              <a:schemeClr val="tx1"/>
-            </a:solidFill>
-            <a:tailEnd type="triangle"/>
-          </a:ln>
-        </p:spPr>
-        <p:style>
-          <a:lnRef idx="1">
-            <a:schemeClr val="accent1"/>
-          </a:lnRef>
-          <a:fillRef idx="0">
-            <a:schemeClr val="accent1"/>
-          </a:fillRef>
-          <a:effectRef idx="0">
-            <a:schemeClr val="accent1"/>
-          </a:effectRef>
-          <a:fontRef idx="minor">
-            <a:schemeClr val="tx1"/>
-          </a:fontRef>
-        </p:style>
-      </p:cxnSp>
-      <p:cxnSp>
-        <p:nvCxnSpPr>
-          <p:cNvPr id="47" name="Elbow Connector 46"/>
-          <p:cNvCxnSpPr/>
-          <p:nvPr/>
-        </p:nvCxnSpPr>
-        <p:spPr>
-          <a:xfrm>
-            <a:off x="6020558" y="2855350"/>
-            <a:ext cx="2097339" cy="631762"/>
-          </a:xfrm>
-          <a:prstGeom prst="bentConnector3">
-            <a:avLst>
-              <a:gd name="adj1" fmla="val 69170"/>
-            </a:avLst>
-          </a:prstGeom>
-          <a:ln>
-            <a:solidFill>
-              <a:schemeClr val="tx1"/>
-            </a:solidFill>
-            <a:tailEnd type="triangle"/>
-          </a:ln>
-        </p:spPr>
-        <p:style>
-          <a:lnRef idx="1">
-            <a:schemeClr val="accent1"/>
-          </a:lnRef>
-          <a:fillRef idx="0">
-            <a:schemeClr val="accent1"/>
-          </a:fillRef>
-          <a:effectRef idx="0">
-            <a:schemeClr val="accent1"/>
-          </a:effectRef>
-          <a:fontRef idx="minor">
-            <a:schemeClr val="tx1"/>
-          </a:fontRef>
-        </p:style>
-      </p:cxnSp>
-      <p:cxnSp>
-        <p:nvCxnSpPr>
-          <p:cNvPr id="51" name="Elbow Connector 50"/>
-          <p:cNvCxnSpPr/>
-          <p:nvPr/>
-        </p:nvCxnSpPr>
-        <p:spPr>
-          <a:xfrm flipV="1">
-            <a:off x="7163910" y="3494312"/>
-            <a:ext cx="953987" cy="214773"/>
-          </a:xfrm>
-          <a:prstGeom prst="bentConnector3">
-            <a:avLst>
-              <a:gd name="adj1" fmla="val 32221"/>
-            </a:avLst>
-          </a:prstGeom>
-          <a:ln>
-            <a:solidFill>
-              <a:schemeClr val="tx1"/>
-            </a:solidFill>
-            <a:tailEnd type="triangle"/>
-          </a:ln>
-        </p:spPr>
-        <p:style>
-          <a:lnRef idx="1">
-            <a:schemeClr val="accent1"/>
-          </a:lnRef>
-          <a:fillRef idx="0">
-            <a:schemeClr val="accent1"/>
-          </a:fillRef>
-          <a:effectRef idx="0">
-            <a:schemeClr val="accent1"/>
-          </a:effectRef>
-          <a:fontRef idx="minor">
-            <a:schemeClr val="tx1"/>
-          </a:fontRef>
-        </p:style>
-      </p:cxnSp>
-      <p:cxnSp>
-        <p:nvCxnSpPr>
-          <p:cNvPr id="52" name="Elbow Connector 51"/>
-          <p:cNvCxnSpPr/>
-          <p:nvPr/>
-        </p:nvCxnSpPr>
-        <p:spPr>
-          <a:xfrm flipV="1">
-            <a:off x="6338604" y="3494312"/>
-            <a:ext cx="1786493" cy="1224366"/>
-          </a:xfrm>
-          <a:prstGeom prst="bentConnector3">
-            <a:avLst>
-              <a:gd name="adj1" fmla="val 63551"/>
-            </a:avLst>
-          </a:prstGeom>
-          <a:ln>
-            <a:solidFill>
-              <a:schemeClr val="tx1"/>
-            </a:solidFill>
-            <a:tailEnd type="triangle"/>
-          </a:ln>
-        </p:spPr>
-        <p:style>
-          <a:lnRef idx="1">
-            <a:schemeClr val="accent1"/>
-          </a:lnRef>
-          <a:fillRef idx="0">
-            <a:schemeClr val="accent1"/>
-          </a:fillRef>
-          <a:effectRef idx="0">
-            <a:schemeClr val="accent1"/>
-          </a:effectRef>
-          <a:fontRef idx="minor">
-            <a:schemeClr val="tx1"/>
-          </a:fontRef>
-        </p:style>
-      </p:cxnSp>
-      <p:pic>
-        <p:nvPicPr>
-          <p:cNvPr id="70" name="Picture 69"/>
-          <p:cNvPicPr>
-            <a:picLocks noChangeAspect="1"/>
-          </p:cNvPicPr>
-          <p:nvPr/>
-        </p:nvPicPr>
-        <p:blipFill>
-          <a:blip r:embed="rId2"/>
-          <a:stretch>
-            <a:fillRect/>
-          </a:stretch>
-        </p:blipFill>
-        <p:spPr>
-          <a:xfrm>
-            <a:off x="5474773" y="3657372"/>
-            <a:ext cx="236925" cy="236925"/>
-          </a:xfrm>
-          <a:prstGeom prst="rect">
-            <a:avLst/>
-          </a:prstGeom>
-          <a:solidFill>
-            <a:schemeClr val="bg1"/>
-          </a:solidFill>
-        </p:spPr>
-      </p:pic>
-      <p:pic>
-        <p:nvPicPr>
-          <p:cNvPr id="72" name="Picture 71"/>
-          <p:cNvPicPr>
-            <a:picLocks noChangeAspect="1"/>
-          </p:cNvPicPr>
-          <p:nvPr/>
-        </p:nvPicPr>
-        <p:blipFill>
-          <a:blip r:embed="rId2"/>
-          <a:stretch>
-            <a:fillRect/>
-          </a:stretch>
-        </p:blipFill>
-        <p:spPr>
-          <a:xfrm>
-            <a:off x="6167433" y="2892195"/>
-            <a:ext cx="236925" cy="236925"/>
-          </a:xfrm>
-          <a:prstGeom prst="rect">
-            <a:avLst/>
-          </a:prstGeom>
-          <a:solidFill>
-            <a:schemeClr val="bg1"/>
-          </a:solidFill>
-        </p:spPr>
-      </p:pic>
-      <p:pic>
-        <p:nvPicPr>
-          <p:cNvPr id="73" name="Picture 72"/>
-          <p:cNvPicPr>
-            <a:picLocks noChangeAspect="1"/>
-          </p:cNvPicPr>
-          <p:nvPr/>
-        </p:nvPicPr>
-        <p:blipFill>
-          <a:blip r:embed="rId2"/>
-          <a:stretch>
-            <a:fillRect/>
-          </a:stretch>
-        </p:blipFill>
-        <p:spPr>
-          <a:xfrm>
-            <a:off x="262958" y="5801872"/>
-            <a:ext cx="236925" cy="236925"/>
-          </a:xfrm>
-          <a:prstGeom prst="rect">
-            <a:avLst/>
-          </a:prstGeom>
-          <a:solidFill>
-            <a:schemeClr val="bg1"/>
-          </a:solidFill>
-        </p:spPr>
-      </p:pic>
-      <p:sp>
-        <p:nvSpPr>
-          <p:cNvPr id="74" name="TextBox 73"/>
-          <p:cNvSpPr txBox="1"/>
-          <p:nvPr/>
-        </p:nvSpPr>
-        <p:spPr>
-          <a:xfrm>
-            <a:off x="527527" y="5735668"/>
-            <a:ext cx="2445636" cy="369332"/>
-          </a:xfrm>
-          <a:prstGeom prst="rect">
-            <a:avLst/>
-          </a:prstGeom>
-          <a:noFill/>
-        </p:spPr>
-        <p:txBody>
-          <a:bodyPr wrap="square" rtlCol="0">
-            <a:spAutoFit/>
-          </a:bodyPr>
-          <a:lstStyle/>
-          <a:p>
-            <a:r>
-              <a:rPr lang="en-US" smtClean="0"/>
-              <a:t>Dependent </a:t>
-            </a:r>
-            <a:r>
-              <a:rPr lang="en-US" dirty="0" smtClean="0"/>
-              <a:t>on</a:t>
-            </a:r>
-            <a:endParaRPr lang="en-US" dirty="0"/>
-          </a:p>
-        </p:txBody>
-      </p:sp>
-      <p:sp>
-        <p:nvSpPr>
-          <p:cNvPr id="75" name="TextBox 74"/>
-          <p:cNvSpPr txBox="1"/>
-          <p:nvPr/>
-        </p:nvSpPr>
-        <p:spPr>
-          <a:xfrm>
-            <a:off x="185057" y="5432540"/>
-            <a:ext cx="2427515" cy="369332"/>
-          </a:xfrm>
-          <a:prstGeom prst="rect">
-            <a:avLst/>
-          </a:prstGeom>
-          <a:noFill/>
-        </p:spPr>
-        <p:txBody>
-          <a:bodyPr wrap="square" rtlCol="0">
-            <a:spAutoFit/>
-          </a:bodyPr>
-          <a:lstStyle/>
-          <a:p>
-            <a:r>
-              <a:rPr lang="en-US" smtClean="0"/>
-              <a:t>Legend:</a:t>
-            </a:r>
-            <a:endParaRPr lang="en-US" dirty="0"/>
-          </a:p>
-        </p:txBody>
-      </p:sp>
-      <p:cxnSp>
-        <p:nvCxnSpPr>
-          <p:cNvPr id="77" name="Elbow Connector 76"/>
-          <p:cNvCxnSpPr>
-            <a:endCxn id="28" idx="2"/>
-          </p:cNvCxnSpPr>
-          <p:nvPr/>
-        </p:nvCxnSpPr>
-        <p:spPr>
-          <a:xfrm rot="5400000" flipH="1" flipV="1">
-            <a:off x="6227985" y="4173473"/>
-            <a:ext cx="472933" cy="251695"/>
-          </a:xfrm>
-          <a:prstGeom prst="bentConnector3">
-            <a:avLst>
-              <a:gd name="adj1" fmla="val 7885"/>
-            </a:avLst>
-          </a:prstGeom>
-          <a:ln>
-            <a:solidFill>
-              <a:schemeClr val="tx1"/>
-            </a:solidFill>
-            <a:tailEnd type="triangle"/>
-          </a:ln>
-        </p:spPr>
-        <p:style>
-          <a:lnRef idx="1">
-            <a:schemeClr val="accent1"/>
-          </a:lnRef>
-          <a:fillRef idx="0">
-            <a:schemeClr val="accent1"/>
-          </a:fillRef>
-          <a:effectRef idx="0">
-            <a:schemeClr val="accent1"/>
-          </a:effectRef>
-          <a:fontRef idx="minor">
-            <a:schemeClr val="tx1"/>
-          </a:fontRef>
-        </p:style>
-      </p:cxnSp>
-      <p:pic>
-        <p:nvPicPr>
-          <p:cNvPr id="80" name="Picture 79"/>
-          <p:cNvPicPr>
-            <a:picLocks noChangeAspect="1"/>
-          </p:cNvPicPr>
-          <p:nvPr/>
-        </p:nvPicPr>
-        <p:blipFill>
-          <a:blip r:embed="rId2"/>
-          <a:stretch>
-            <a:fillRect/>
-          </a:stretch>
-        </p:blipFill>
-        <p:spPr>
-          <a:xfrm>
-            <a:off x="6463231" y="4363290"/>
-            <a:ext cx="236925" cy="236925"/>
-          </a:xfrm>
-          <a:prstGeom prst="rect">
-            <a:avLst/>
-          </a:prstGeom>
-          <a:solidFill>
-            <a:schemeClr val="bg1"/>
-          </a:solidFill>
-        </p:spPr>
-      </p:pic>
     </p:spTree>
     <p:extLst>
       <p:ext uri="{BB962C8B-B14F-4D97-AF65-F5344CB8AC3E}">
-        <p14:creationId xmlns:p14="http://schemas.microsoft.com/office/powerpoint/2010/main" val="451044249"/>
+        <p14:creationId xmlns:p14="http://schemas.microsoft.com/office/powerpoint/2010/main" val="1157188756"/>
       </p:ext>
     </p:extLst>
   </p:cSld>
@@ -6402,8 +5177,8 @@
         </p:nvSpPr>
         <p:spPr>
           <a:xfrm>
-            <a:off x="8627628" y="1075653"/>
-            <a:ext cx="1993753" cy="1767210"/>
+            <a:off x="527527" y="2851376"/>
+            <a:ext cx="3086010" cy="1285873"/>
           </a:xfrm>
           <a:prstGeom prst="rect">
             <a:avLst/>
@@ -6437,31 +5212,31 @@
           <a:p>
             <a:pPr algn="ctr"/>
             <a:r>
-              <a:rPr lang="en-US" dirty="0" smtClean="0">
+              <a:rPr lang="en-US">
                 <a:solidFill>
                   <a:schemeClr val="tx1"/>
                 </a:solidFill>
               </a:rPr>
-              <a:t>Calculator</a:t>
-            </a:r>
-            <a:endParaRPr lang="en-US" dirty="0">
-              <a:solidFill>
-                <a:schemeClr val="tx1"/>
-              </a:solidFill>
-            </a:endParaRPr>
-          </a:p>
-        </p:txBody>
-      </p:sp>
-      <p:sp>
-        <p:nvSpPr>
-          <p:cNvPr id="7" name="Rectangle 6"/>
+              <a:t>Database</a:t>
+            </a:r>
+            <a:r>
+              <a:rPr lang="en-US"/>
+              <a:t>f</a:t>
+            </a:r>
+            <a:endParaRPr lang="en-US" dirty="0"/>
+          </a:p>
+        </p:txBody>
+      </p:sp>
+      <p:sp>
+        <p:nvSpPr>
+          <p:cNvPr id="6" name="Rectangle 5"/>
           <p:cNvSpPr/>
           <p:nvPr/>
         </p:nvSpPr>
         <p:spPr>
           <a:xfrm>
-            <a:off x="5044169" y="1087729"/>
-            <a:ext cx="1977134" cy="1755134"/>
+            <a:off x="4142063" y="1789609"/>
+            <a:ext cx="3983034" cy="3409405"/>
           </a:xfrm>
           <a:prstGeom prst="rect">
             <a:avLst/>
@@ -6494,32 +5269,20 @@
           <a:lstStyle/>
           <a:p>
             <a:pPr algn="ctr"/>
-            <a:r>
-              <a:rPr lang="en-US" dirty="0" smtClean="0">
-                <a:solidFill>
-                  <a:schemeClr val="tx1"/>
-                </a:solidFill>
-              </a:rPr>
-              <a:t>Plotter</a:t>
-            </a:r>
-            <a:endParaRPr lang="en-US" dirty="0">
-              <a:solidFill>
-                <a:schemeClr val="tx1"/>
-              </a:solidFill>
-            </a:endParaRPr>
-          </a:p>
-        </p:txBody>
-      </p:sp>
-      <p:sp>
-        <p:nvSpPr>
-          <p:cNvPr id="8" name="Rectangle 7"/>
+            <a:endParaRPr lang="en-US" dirty="0"/>
+          </a:p>
+        </p:txBody>
+      </p:sp>
+      <p:sp>
+        <p:nvSpPr>
+          <p:cNvPr id="7" name="Rectangle 6"/>
           <p:cNvSpPr/>
           <p:nvPr/>
         </p:nvSpPr>
         <p:spPr>
           <a:xfrm>
-            <a:off x="5044169" y="3584171"/>
-            <a:ext cx="1977134" cy="1755609"/>
+            <a:off x="8123802" y="2862549"/>
+            <a:ext cx="3487783" cy="1285874"/>
           </a:xfrm>
           <a:prstGeom prst="rect">
             <a:avLst/>
@@ -6553,24 +5316,531 @@
           <a:p>
             <a:pPr algn="ctr"/>
             <a:r>
-              <a:rPr lang="en-US" dirty="0" smtClean="0">
+              <a:rPr lang="en-US" dirty="0">
                 <a:solidFill>
                   <a:schemeClr val="tx1"/>
                 </a:solidFill>
               </a:rPr>
-              <a:t>Displayer</a:t>
-            </a:r>
-            <a:endParaRPr lang="en-US" dirty="0">
-              <a:solidFill>
-                <a:schemeClr val="tx1"/>
-              </a:solidFill>
-            </a:endParaRPr>
-          </a:p>
-        </p:txBody>
-      </p:sp>
+              <a:t>View</a:t>
+            </a:r>
+          </a:p>
+        </p:txBody>
+      </p:sp>
+      <p:cxnSp>
+        <p:nvCxnSpPr>
+          <p:cNvPr id="8" name="Straight Connector 7"/>
+          <p:cNvCxnSpPr>
+            <a:stCxn id="5" idx="3"/>
+            <a:endCxn id="6" idx="1"/>
+          </p:cNvCxnSpPr>
+          <p:nvPr/>
+        </p:nvCxnSpPr>
+        <p:spPr>
+          <a:xfrm flipV="1">
+            <a:off x="3613537" y="3494312"/>
+            <a:ext cx="528526" cy="1"/>
+          </a:xfrm>
+          <a:prstGeom prst="line">
+            <a:avLst/>
+          </a:prstGeom>
+          <a:ln>
+            <a:solidFill>
+              <a:schemeClr val="tx1"/>
+            </a:solidFill>
+          </a:ln>
+        </p:spPr>
+        <p:style>
+          <a:lnRef idx="1">
+            <a:schemeClr val="accent1"/>
+          </a:lnRef>
+          <a:fillRef idx="0">
+            <a:schemeClr val="accent1"/>
+          </a:fillRef>
+          <a:effectRef idx="0">
+            <a:schemeClr val="accent1"/>
+          </a:effectRef>
+          <a:fontRef idx="minor">
+            <a:schemeClr val="tx1"/>
+          </a:fontRef>
+        </p:style>
+      </p:cxnSp>
+      <p:sp>
+        <p:nvSpPr>
+          <p:cNvPr id="9" name="TextBox 8"/>
+          <p:cNvSpPr txBox="1"/>
+          <p:nvPr/>
+        </p:nvSpPr>
+        <p:spPr>
+          <a:xfrm>
+            <a:off x="8489798" y="988077"/>
+            <a:ext cx="2545491" cy="369332"/>
+          </a:xfrm>
+          <a:prstGeom prst="rect">
+            <a:avLst/>
+          </a:prstGeom>
+          <a:noFill/>
+        </p:spPr>
+        <p:txBody>
+          <a:bodyPr wrap="square" rtlCol="0">
+            <a:spAutoFit/>
+          </a:bodyPr>
+          <a:lstStyle/>
+          <a:p>
+            <a:pPr algn="ctr"/>
+            <a:r>
+              <a:rPr lang="en-US" dirty="0"/>
+              <a:t>Application Layer</a:t>
+            </a:r>
+          </a:p>
+        </p:txBody>
+      </p:sp>
+      <p:sp>
+        <p:nvSpPr>
+          <p:cNvPr id="10" name="TextBox 9"/>
+          <p:cNvSpPr txBox="1"/>
+          <p:nvPr/>
+        </p:nvSpPr>
+        <p:spPr>
+          <a:xfrm>
+            <a:off x="4860834" y="979223"/>
+            <a:ext cx="2545491" cy="369332"/>
+          </a:xfrm>
+          <a:prstGeom prst="rect">
+            <a:avLst/>
+          </a:prstGeom>
+          <a:noFill/>
+        </p:spPr>
+        <p:txBody>
+          <a:bodyPr wrap="square" rtlCol="0">
+            <a:spAutoFit/>
+          </a:bodyPr>
+          <a:lstStyle/>
+          <a:p>
+            <a:pPr algn="ctr"/>
+            <a:r>
+              <a:rPr lang="en-US" dirty="0"/>
+              <a:t>Business Layer</a:t>
+            </a:r>
+          </a:p>
+        </p:txBody>
+      </p:sp>
+      <p:sp>
+        <p:nvSpPr>
+          <p:cNvPr id="11" name="TextBox 10"/>
+          <p:cNvSpPr txBox="1"/>
+          <p:nvPr/>
+        </p:nvSpPr>
+        <p:spPr>
+          <a:xfrm>
+            <a:off x="841850" y="972100"/>
+            <a:ext cx="2545491" cy="369332"/>
+          </a:xfrm>
+          <a:prstGeom prst="rect">
+            <a:avLst/>
+          </a:prstGeom>
+          <a:noFill/>
+        </p:spPr>
+        <p:txBody>
+          <a:bodyPr wrap="square" rtlCol="0">
+            <a:spAutoFit/>
+          </a:bodyPr>
+          <a:lstStyle/>
+          <a:p>
+            <a:pPr algn="ctr"/>
+            <a:r>
+              <a:rPr lang="en-US" dirty="0"/>
+              <a:t>Data Layer</a:t>
+            </a:r>
+          </a:p>
+        </p:txBody>
+      </p:sp>
+      <p:sp>
+        <p:nvSpPr>
+          <p:cNvPr id="26" name="TextBox 25"/>
+          <p:cNvSpPr txBox="1"/>
+          <p:nvPr/>
+        </p:nvSpPr>
+        <p:spPr>
+          <a:xfrm>
+            <a:off x="5371993" y="1932593"/>
+            <a:ext cx="1523174" cy="369332"/>
+          </a:xfrm>
+          <a:prstGeom prst="rect">
+            <a:avLst/>
+          </a:prstGeom>
+          <a:noFill/>
+        </p:spPr>
+        <p:txBody>
+          <a:bodyPr wrap="none" rtlCol="0">
+            <a:spAutoFit/>
+          </a:bodyPr>
+          <a:lstStyle/>
+          <a:p>
+            <a:r>
+              <a:rPr lang="en-US"/>
+              <a:t>Business Logic</a:t>
+            </a:r>
+          </a:p>
+        </p:txBody>
+      </p:sp>
+      <p:sp>
+        <p:nvSpPr>
+          <p:cNvPr id="27" name="Rectangle 26"/>
+          <p:cNvSpPr/>
+          <p:nvPr/>
+        </p:nvSpPr>
+        <p:spPr>
+          <a:xfrm>
+            <a:off x="4866136" y="2508781"/>
+            <a:ext cx="1161622" cy="707537"/>
+          </a:xfrm>
+          <a:prstGeom prst="rect">
+            <a:avLst/>
+          </a:prstGeom>
+          <a:noFill/>
+          <a:ln>
+            <a:solidFill>
+              <a:schemeClr val="tx1"/>
+            </a:solidFill>
+          </a:ln>
+        </p:spPr>
+        <p:style>
+          <a:lnRef idx="2">
+            <a:schemeClr val="accent1">
+              <a:shade val="50000"/>
+            </a:schemeClr>
+          </a:lnRef>
+          <a:fillRef idx="1">
+            <a:schemeClr val="accent1"/>
+          </a:fillRef>
+          <a:effectRef idx="0">
+            <a:schemeClr val="accent1"/>
+          </a:effectRef>
+          <a:fontRef idx="minor">
+            <a:schemeClr val="lt1"/>
+          </a:fontRef>
+        </p:style>
+        <p:txBody>
+          <a:bodyPr rtlCol="0" anchor="ctr"/>
+          <a:lstStyle/>
+          <a:p>
+            <a:pPr algn="ctr"/>
+            <a:r>
+              <a:rPr lang="en-US">
+                <a:solidFill>
+                  <a:schemeClr val="tx1"/>
+                </a:solidFill>
+              </a:rPr>
+              <a:t>Module 1</a:t>
+            </a:r>
+            <a:endParaRPr lang="en-US" dirty="0"/>
+          </a:p>
+        </p:txBody>
+      </p:sp>
+      <p:sp>
+        <p:nvSpPr>
+          <p:cNvPr id="28" name="Rectangle 27"/>
+          <p:cNvSpPr/>
+          <p:nvPr/>
+        </p:nvSpPr>
+        <p:spPr>
+          <a:xfrm>
+            <a:off x="6009488" y="3355316"/>
+            <a:ext cx="1161622" cy="707537"/>
+          </a:xfrm>
+          <a:prstGeom prst="rect">
+            <a:avLst/>
+          </a:prstGeom>
+          <a:noFill/>
+          <a:ln>
+            <a:solidFill>
+              <a:schemeClr val="tx1"/>
+            </a:solidFill>
+          </a:ln>
+        </p:spPr>
+        <p:style>
+          <a:lnRef idx="2">
+            <a:schemeClr val="accent1">
+              <a:shade val="50000"/>
+            </a:schemeClr>
+          </a:lnRef>
+          <a:fillRef idx="1">
+            <a:schemeClr val="accent1"/>
+          </a:fillRef>
+          <a:effectRef idx="0">
+            <a:schemeClr val="accent1"/>
+          </a:effectRef>
+          <a:fontRef idx="minor">
+            <a:schemeClr val="lt1"/>
+          </a:fontRef>
+        </p:style>
+        <p:txBody>
+          <a:bodyPr rtlCol="0" anchor="ctr"/>
+          <a:lstStyle/>
+          <a:p>
+            <a:pPr algn="ctr"/>
+            <a:r>
+              <a:rPr lang="en-US" dirty="0">
+                <a:solidFill>
+                  <a:schemeClr val="tx1"/>
+                </a:solidFill>
+              </a:rPr>
+              <a:t>Module 2</a:t>
+            </a:r>
+            <a:endParaRPr lang="en-US" dirty="0"/>
+          </a:p>
+        </p:txBody>
+      </p:sp>
+      <p:sp>
+        <p:nvSpPr>
+          <p:cNvPr id="29" name="Rectangle 28"/>
+          <p:cNvSpPr/>
+          <p:nvPr/>
+        </p:nvSpPr>
+        <p:spPr>
+          <a:xfrm>
+            <a:off x="5176982" y="4364909"/>
+            <a:ext cx="1161622" cy="707537"/>
+          </a:xfrm>
+          <a:prstGeom prst="rect">
+            <a:avLst/>
+          </a:prstGeom>
+          <a:noFill/>
+          <a:ln>
+            <a:solidFill>
+              <a:schemeClr val="tx1"/>
+            </a:solidFill>
+          </a:ln>
+        </p:spPr>
+        <p:style>
+          <a:lnRef idx="2">
+            <a:schemeClr val="accent1">
+              <a:shade val="50000"/>
+            </a:schemeClr>
+          </a:lnRef>
+          <a:fillRef idx="1">
+            <a:schemeClr val="accent1"/>
+          </a:fillRef>
+          <a:effectRef idx="0">
+            <a:schemeClr val="accent1"/>
+          </a:effectRef>
+          <a:fontRef idx="minor">
+            <a:schemeClr val="lt1"/>
+          </a:fontRef>
+        </p:style>
+        <p:txBody>
+          <a:bodyPr rtlCol="0" anchor="ctr"/>
+          <a:lstStyle/>
+          <a:p>
+            <a:pPr algn="ctr"/>
+            <a:r>
+              <a:rPr lang="en-US" dirty="0">
+                <a:solidFill>
+                  <a:schemeClr val="tx1"/>
+                </a:solidFill>
+              </a:rPr>
+              <a:t>Module 3</a:t>
+            </a:r>
+            <a:endParaRPr lang="en-US" dirty="0"/>
+          </a:p>
+        </p:txBody>
+      </p:sp>
+      <p:cxnSp>
+        <p:nvCxnSpPr>
+          <p:cNvPr id="31" name="Elbow Connector 30"/>
+          <p:cNvCxnSpPr>
+            <a:endCxn id="28" idx="0"/>
+          </p:cNvCxnSpPr>
+          <p:nvPr/>
+        </p:nvCxnSpPr>
+        <p:spPr>
+          <a:xfrm>
+            <a:off x="6016451" y="3004900"/>
+            <a:ext cx="573848" cy="350416"/>
+          </a:xfrm>
+          <a:prstGeom prst="bentConnector2">
+            <a:avLst/>
+          </a:prstGeom>
+          <a:ln>
+            <a:solidFill>
+              <a:schemeClr val="tx1"/>
+            </a:solidFill>
+            <a:tailEnd type="triangle"/>
+          </a:ln>
+        </p:spPr>
+        <p:style>
+          <a:lnRef idx="1">
+            <a:schemeClr val="accent1"/>
+          </a:lnRef>
+          <a:fillRef idx="0">
+            <a:schemeClr val="accent1"/>
+          </a:fillRef>
+          <a:effectRef idx="0">
+            <a:schemeClr val="accent1"/>
+          </a:effectRef>
+          <a:fontRef idx="minor">
+            <a:schemeClr val="tx1"/>
+          </a:fontRef>
+        </p:style>
+      </p:cxnSp>
+      <p:cxnSp>
+        <p:nvCxnSpPr>
+          <p:cNvPr id="33" name="Elbow Connector 32"/>
+          <p:cNvCxnSpPr>
+            <a:stCxn id="27" idx="2"/>
+            <a:endCxn id="29" idx="0"/>
+          </p:cNvCxnSpPr>
+          <p:nvPr/>
+        </p:nvCxnSpPr>
+        <p:spPr>
+          <a:xfrm rot="16200000" flipH="1">
+            <a:off x="5028075" y="3635190"/>
+            <a:ext cx="1148591" cy="310846"/>
+          </a:xfrm>
+          <a:prstGeom prst="bentConnector3">
+            <a:avLst>
+              <a:gd name="adj1" fmla="val 50000"/>
+            </a:avLst>
+          </a:prstGeom>
+          <a:ln>
+            <a:solidFill>
+              <a:schemeClr val="tx1"/>
+            </a:solidFill>
+            <a:tailEnd type="triangle"/>
+          </a:ln>
+        </p:spPr>
+        <p:style>
+          <a:lnRef idx="1">
+            <a:schemeClr val="accent1"/>
+          </a:lnRef>
+          <a:fillRef idx="0">
+            <a:schemeClr val="accent1"/>
+          </a:fillRef>
+          <a:effectRef idx="0">
+            <a:schemeClr val="accent1"/>
+          </a:effectRef>
+          <a:fontRef idx="minor">
+            <a:schemeClr val="tx1"/>
+          </a:fontRef>
+        </p:style>
+      </p:cxnSp>
+      <p:cxnSp>
+        <p:nvCxnSpPr>
+          <p:cNvPr id="47" name="Elbow Connector 46"/>
+          <p:cNvCxnSpPr/>
+          <p:nvPr/>
+        </p:nvCxnSpPr>
+        <p:spPr>
+          <a:xfrm>
+            <a:off x="6020558" y="2855350"/>
+            <a:ext cx="2097339" cy="631762"/>
+          </a:xfrm>
+          <a:prstGeom prst="bentConnector3">
+            <a:avLst>
+              <a:gd name="adj1" fmla="val 69170"/>
+            </a:avLst>
+          </a:prstGeom>
+          <a:ln>
+            <a:solidFill>
+              <a:schemeClr val="tx1"/>
+            </a:solidFill>
+            <a:tailEnd type="triangle"/>
+          </a:ln>
+        </p:spPr>
+        <p:style>
+          <a:lnRef idx="1">
+            <a:schemeClr val="accent1"/>
+          </a:lnRef>
+          <a:fillRef idx="0">
+            <a:schemeClr val="accent1"/>
+          </a:fillRef>
+          <a:effectRef idx="0">
+            <a:schemeClr val="accent1"/>
+          </a:effectRef>
+          <a:fontRef idx="minor">
+            <a:schemeClr val="tx1"/>
+          </a:fontRef>
+        </p:style>
+      </p:cxnSp>
+      <p:cxnSp>
+        <p:nvCxnSpPr>
+          <p:cNvPr id="51" name="Elbow Connector 50"/>
+          <p:cNvCxnSpPr/>
+          <p:nvPr/>
+        </p:nvCxnSpPr>
+        <p:spPr>
+          <a:xfrm flipV="1">
+            <a:off x="7163910" y="3494312"/>
+            <a:ext cx="953987" cy="214773"/>
+          </a:xfrm>
+          <a:prstGeom prst="bentConnector3">
+            <a:avLst>
+              <a:gd name="adj1" fmla="val 32221"/>
+            </a:avLst>
+          </a:prstGeom>
+          <a:ln>
+            <a:solidFill>
+              <a:schemeClr val="tx1"/>
+            </a:solidFill>
+            <a:tailEnd type="triangle"/>
+          </a:ln>
+        </p:spPr>
+        <p:style>
+          <a:lnRef idx="1">
+            <a:schemeClr val="accent1"/>
+          </a:lnRef>
+          <a:fillRef idx="0">
+            <a:schemeClr val="accent1"/>
+          </a:fillRef>
+          <a:effectRef idx="0">
+            <a:schemeClr val="accent1"/>
+          </a:effectRef>
+          <a:fontRef idx="minor">
+            <a:schemeClr val="tx1"/>
+          </a:fontRef>
+        </p:style>
+      </p:cxnSp>
+      <p:cxnSp>
+        <p:nvCxnSpPr>
+          <p:cNvPr id="52" name="Elbow Connector 51"/>
+          <p:cNvCxnSpPr/>
+          <p:nvPr/>
+        </p:nvCxnSpPr>
+        <p:spPr>
+          <a:xfrm flipV="1">
+            <a:off x="6338604" y="3494312"/>
+            <a:ext cx="1786493" cy="1224366"/>
+          </a:xfrm>
+          <a:prstGeom prst="bentConnector3">
+            <a:avLst>
+              <a:gd name="adj1" fmla="val 63551"/>
+            </a:avLst>
+          </a:prstGeom>
+          <a:ln>
+            <a:solidFill>
+              <a:schemeClr val="tx1"/>
+            </a:solidFill>
+            <a:tailEnd type="triangle"/>
+          </a:ln>
+        </p:spPr>
+        <p:style>
+          <a:lnRef idx="1">
+            <a:schemeClr val="accent1"/>
+          </a:lnRef>
+          <a:fillRef idx="0">
+            <a:schemeClr val="accent1"/>
+          </a:fillRef>
+          <a:effectRef idx="0">
+            <a:schemeClr val="accent1"/>
+          </a:effectRef>
+          <a:fontRef idx="minor">
+            <a:schemeClr val="tx1"/>
+          </a:fontRef>
+        </p:style>
+      </p:cxnSp>
       <p:pic>
         <p:nvPicPr>
-          <p:cNvPr id="24" name="Picture 23"/>
+          <p:cNvPr id="70" name="Picture 69"/>
           <p:cNvPicPr>
             <a:picLocks noChangeAspect="1"/>
           </p:cNvPicPr>
@@ -6584,24 +5854,81 @@
         </p:blipFill>
         <p:spPr>
           <a:xfrm>
-            <a:off x="1453342" y="1438462"/>
-            <a:ext cx="1053668" cy="1053668"/>
+            <a:off x="5474773" y="3657372"/>
+            <a:ext cx="236925" cy="236925"/>
           </a:xfrm>
           <a:prstGeom prst="rect">
             <a:avLst/>
           </a:prstGeom>
+          <a:solidFill>
+            <a:schemeClr val="bg1"/>
+          </a:solidFill>
         </p:spPr>
       </p:pic>
-      <p:sp>
-        <p:nvSpPr>
-          <p:cNvPr id="25" name="TextBox 24"/>
+      <p:pic>
+        <p:nvPicPr>
+          <p:cNvPr id="72" name="Picture 71"/>
+          <p:cNvPicPr>
+            <a:picLocks noChangeAspect="1"/>
+          </p:cNvPicPr>
+          <p:nvPr/>
+        </p:nvPicPr>
+        <p:blipFill>
+          <a:blip r:embed="rId2"/>
+          <a:stretch>
+            <a:fillRect/>
+          </a:stretch>
+        </p:blipFill>
+        <p:spPr>
+          <a:xfrm>
+            <a:off x="6167433" y="2892195"/>
+            <a:ext cx="236925" cy="236925"/>
+          </a:xfrm>
+          <a:prstGeom prst="rect">
+            <a:avLst/>
+          </a:prstGeom>
+          <a:solidFill>
+            <a:schemeClr val="bg1"/>
+          </a:solidFill>
+        </p:spPr>
+      </p:pic>
+      <p:pic>
+        <p:nvPicPr>
+          <p:cNvPr id="73" name="Picture 72"/>
+          <p:cNvPicPr>
+            <a:picLocks noChangeAspect="1"/>
+          </p:cNvPicPr>
+          <p:nvPr/>
+        </p:nvPicPr>
+        <p:blipFill>
+          <a:blip r:embed="rId2"/>
+          <a:stretch>
+            <a:fillRect/>
+          </a:stretch>
+        </p:blipFill>
+        <p:spPr>
+          <a:xfrm>
+            <a:off x="262958" y="5801872"/>
+            <a:ext cx="236925" cy="236925"/>
+          </a:xfrm>
+          <a:prstGeom prst="rect">
+            <a:avLst/>
+          </a:prstGeom>
+          <a:solidFill>
+            <a:schemeClr val="bg1"/>
+          </a:solidFill>
+        </p:spPr>
+      </p:pic>
+      <p:sp>
+        <p:nvSpPr>
+          <p:cNvPr id="74" name="TextBox 73"/>
           <p:cNvSpPr txBox="1"/>
           <p:nvPr/>
         </p:nvSpPr>
         <p:spPr>
           <a:xfrm>
-            <a:off x="3050416" y="1330814"/>
-            <a:ext cx="1262679" cy="369332"/>
+            <a:off x="527527" y="5735668"/>
+            <a:ext cx="2445636" cy="369332"/>
           </a:xfrm>
           <a:prstGeom prst="rect">
             <a:avLst/>
@@ -6614,77 +5941,64 @@
           </a:bodyPr>
           <a:lstStyle/>
           <a:p>
-            <a:pPr algn="ctr"/>
-            <a:r>
-              <a:rPr lang="en-US" dirty="0" smtClean="0"/>
-              <a:t>User Input</a:t>
+            <a:r>
+              <a:rPr lang="en-US"/>
+              <a:t>Dependent </a:t>
+            </a:r>
+            <a:r>
+              <a:rPr lang="en-US" dirty="0"/>
+              <a:t>on</a:t>
+            </a:r>
+          </a:p>
+        </p:txBody>
+      </p:sp>
+      <p:sp>
+        <p:nvSpPr>
+          <p:cNvPr id="75" name="TextBox 74"/>
+          <p:cNvSpPr txBox="1"/>
+          <p:nvPr/>
+        </p:nvSpPr>
+        <p:spPr>
+          <a:xfrm>
+            <a:off x="185057" y="5432540"/>
+            <a:ext cx="2427515" cy="369332"/>
+          </a:xfrm>
+          <a:prstGeom prst="rect">
+            <a:avLst/>
+          </a:prstGeom>
+          <a:noFill/>
+        </p:spPr>
+        <p:txBody>
+          <a:bodyPr wrap="square" rtlCol="0">
+            <a:spAutoFit/>
+          </a:bodyPr>
+          <a:lstStyle/>
+          <a:p>
+            <a:r>
+              <a:rPr lang="en-US"/>
+              <a:t>Legend:</a:t>
             </a:r>
             <a:endParaRPr lang="en-US" dirty="0"/>
-          </a:p>
-        </p:txBody>
-      </p:sp>
-      <p:sp>
-        <p:nvSpPr>
-          <p:cNvPr id="26" name="Right Arrow 25"/>
-          <p:cNvSpPr/>
-          <p:nvPr/>
-        </p:nvSpPr>
-        <p:spPr>
-          <a:xfrm>
-            <a:off x="3272100" y="1919500"/>
-            <a:ext cx="693682" cy="283780"/>
-          </a:xfrm>
-          <a:prstGeom prst="rightArrow">
-            <a:avLst/>
-          </a:prstGeom>
-          <a:noFill/>
-          <a:ln>
-            <a:solidFill>
-              <a:schemeClr val="tx1"/>
-            </a:solidFill>
-          </a:ln>
-        </p:spPr>
-        <p:style>
-          <a:lnRef idx="2">
-            <a:schemeClr val="accent1">
-              <a:shade val="50000"/>
-            </a:schemeClr>
-          </a:lnRef>
-          <a:fillRef idx="1">
-            <a:schemeClr val="accent1"/>
-          </a:fillRef>
-          <a:effectRef idx="0">
-            <a:schemeClr val="accent1"/>
-          </a:effectRef>
-          <a:fontRef idx="minor">
-            <a:schemeClr val="lt1"/>
-          </a:fontRef>
-        </p:style>
-        <p:txBody>
-          <a:bodyPr rtlCol="0" anchor="ctr"/>
-          <a:lstStyle/>
-          <a:p>
-            <a:pPr algn="ctr"/>
-            <a:endParaRPr lang="en-US"/>
           </a:p>
         </p:txBody>
       </p:sp>
       <p:cxnSp>
         <p:nvCxnSpPr>
-          <p:cNvPr id="31" name="Straight Arrow Connector 30"/>
+          <p:cNvPr id="77" name="Elbow Connector 76"/>
           <p:cNvCxnSpPr>
-            <a:stCxn id="7" idx="3"/>
-            <a:endCxn id="5" idx="1"/>
+            <a:endCxn id="28" idx="2"/>
           </p:cNvCxnSpPr>
           <p:nvPr/>
         </p:nvCxnSpPr>
         <p:spPr>
-          <a:xfrm flipV="1">
-            <a:off x="7021303" y="1959258"/>
-            <a:ext cx="1606325" cy="6038"/>
-          </a:xfrm>
-          <a:prstGeom prst="straightConnector1">
-            <a:avLst/>
+          <a:xfrm rot="5400000" flipH="1" flipV="1">
+            <a:off x="6227985" y="4173473"/>
+            <a:ext cx="472933" cy="251695"/>
+          </a:xfrm>
+          <a:prstGeom prst="bentConnector3">
+            <a:avLst>
+              <a:gd name="adj1" fmla="val 7885"/>
+            </a:avLst>
           </a:prstGeom>
           <a:ln>
             <a:solidFill>
@@ -6708,389 +6022,43 @@
           </a:fontRef>
         </p:style>
       </p:cxnSp>
-      <p:cxnSp>
-        <p:nvCxnSpPr>
-          <p:cNvPr id="34" name="Straight Arrow Connector 33"/>
-          <p:cNvCxnSpPr>
-            <a:stCxn id="7" idx="2"/>
-            <a:endCxn id="8" idx="0"/>
-          </p:cNvCxnSpPr>
-          <p:nvPr/>
-        </p:nvCxnSpPr>
-        <p:spPr>
-          <a:xfrm>
-            <a:off x="6032736" y="2842863"/>
-            <a:ext cx="0" cy="741308"/>
-          </a:xfrm>
-          <a:prstGeom prst="straightConnector1">
-            <a:avLst/>
-          </a:prstGeom>
-          <a:ln>
-            <a:solidFill>
-              <a:schemeClr val="tx1"/>
-            </a:solidFill>
-            <a:tailEnd type="triangle"/>
-          </a:ln>
-        </p:spPr>
-        <p:style>
-          <a:lnRef idx="1">
-            <a:schemeClr val="accent1"/>
-          </a:lnRef>
-          <a:fillRef idx="0">
-            <a:schemeClr val="accent1"/>
-          </a:fillRef>
-          <a:effectRef idx="0">
-            <a:schemeClr val="accent1"/>
-          </a:effectRef>
-          <a:fontRef idx="minor">
-            <a:schemeClr val="tx1"/>
-          </a:fontRef>
-        </p:style>
-      </p:cxnSp>
-      <p:cxnSp>
-        <p:nvCxnSpPr>
-          <p:cNvPr id="39" name="Straight Arrow Connector 38"/>
-          <p:cNvCxnSpPr/>
-          <p:nvPr/>
-        </p:nvCxnSpPr>
-        <p:spPr>
-          <a:xfrm flipH="1">
-            <a:off x="7021304" y="2492130"/>
-            <a:ext cx="1606324" cy="0"/>
-          </a:xfrm>
-          <a:prstGeom prst="straightConnector1">
-            <a:avLst/>
-          </a:prstGeom>
-          <a:ln>
-            <a:solidFill>
-              <a:schemeClr val="tx1"/>
-            </a:solidFill>
-            <a:tailEnd type="triangle"/>
-          </a:ln>
-        </p:spPr>
-        <p:style>
-          <a:lnRef idx="1">
-            <a:schemeClr val="accent1"/>
-          </a:lnRef>
-          <a:fillRef idx="0">
-            <a:schemeClr val="accent1"/>
-          </a:fillRef>
-          <a:effectRef idx="0">
-            <a:schemeClr val="accent1"/>
-          </a:effectRef>
-          <a:fontRef idx="minor">
-            <a:schemeClr val="tx1"/>
-          </a:fontRef>
-        </p:style>
-      </p:cxnSp>
-      <p:sp>
-        <p:nvSpPr>
-          <p:cNvPr id="40" name="TextBox 39"/>
-          <p:cNvSpPr txBox="1"/>
-          <p:nvPr/>
-        </p:nvSpPr>
-        <p:spPr>
-          <a:xfrm>
-            <a:off x="7526732" y="1700146"/>
-            <a:ext cx="696287" cy="276999"/>
-          </a:xfrm>
-          <a:prstGeom prst="rect">
-            <a:avLst/>
-          </a:prstGeom>
-          <a:noFill/>
-        </p:spPr>
-        <p:txBody>
-          <a:bodyPr wrap="square" rtlCol="0">
-            <a:spAutoFit/>
-          </a:bodyPr>
-          <a:lstStyle/>
-          <a:p>
-            <a:r>
-              <a:rPr lang="en-US" sz="1200" dirty="0" smtClean="0"/>
-              <a:t>request</a:t>
-            </a:r>
-            <a:endParaRPr lang="en-US" sz="1200" dirty="0"/>
-          </a:p>
-        </p:txBody>
-      </p:sp>
-      <p:sp>
-        <p:nvSpPr>
-          <p:cNvPr id="41" name="TextBox 40"/>
-          <p:cNvSpPr txBox="1"/>
-          <p:nvPr/>
-        </p:nvSpPr>
-        <p:spPr>
-          <a:xfrm>
-            <a:off x="7232544" y="2193998"/>
-            <a:ext cx="1504141" cy="276999"/>
-          </a:xfrm>
-          <a:prstGeom prst="rect">
-            <a:avLst/>
-          </a:prstGeom>
-          <a:noFill/>
-        </p:spPr>
-        <p:txBody>
-          <a:bodyPr wrap="square" rtlCol="0">
-            <a:spAutoFit/>
-          </a:bodyPr>
-          <a:lstStyle/>
-          <a:p>
-            <a:r>
-              <a:rPr lang="en-US" sz="1200" dirty="0" smtClean="0"/>
-              <a:t>Solved equations</a:t>
-            </a:r>
-            <a:endParaRPr lang="en-US" sz="1200" dirty="0"/>
-          </a:p>
-        </p:txBody>
-      </p:sp>
-      <p:sp>
-        <p:nvSpPr>
-          <p:cNvPr id="53" name="Rectangle 52"/>
-          <p:cNvSpPr/>
-          <p:nvPr/>
-        </p:nvSpPr>
-        <p:spPr>
-          <a:xfrm>
-            <a:off x="8627627" y="3572570"/>
-            <a:ext cx="1993753" cy="1767210"/>
-          </a:xfrm>
-          <a:prstGeom prst="rect">
-            <a:avLst/>
-          </a:prstGeom>
-          <a:noFill/>
-          <a:ln>
-            <a:solidFill>
-              <a:schemeClr val="tx1"/>
-            </a:solidFill>
-          </a:ln>
-        </p:spPr>
-        <p:style>
-          <a:lnRef idx="2">
-            <a:schemeClr val="accent1">
-              <a:shade val="50000"/>
-            </a:schemeClr>
-          </a:lnRef>
-          <a:fillRef idx="1">
-            <a:schemeClr val="accent1"/>
-          </a:fillRef>
-          <a:effectRef idx="0">
-            <a:schemeClr val="accent1"/>
-          </a:effectRef>
-          <a:fontRef idx="minor">
-            <a:schemeClr val="lt1"/>
-          </a:fontRef>
-        </p:style>
-        <p:txBody>
-          <a:bodyPr rtlCol="0" anchor="ctr"/>
-          <a:lstStyle/>
-          <a:p>
-            <a:pPr algn="ctr"/>
-            <a:r>
-              <a:rPr lang="en-US" dirty="0" smtClean="0">
-                <a:solidFill>
-                  <a:schemeClr val="tx1"/>
-                </a:solidFill>
-              </a:rPr>
-              <a:t>Other Services</a:t>
-            </a:r>
-            <a:endParaRPr lang="en-US" dirty="0">
-              <a:solidFill>
-                <a:schemeClr val="tx1"/>
-              </a:solidFill>
-            </a:endParaRPr>
-          </a:p>
-        </p:txBody>
-      </p:sp>
-      <p:cxnSp>
-        <p:nvCxnSpPr>
-          <p:cNvPr id="55" name="Straight Arrow Connector 54"/>
-          <p:cNvCxnSpPr/>
-          <p:nvPr/>
-        </p:nvCxnSpPr>
-        <p:spPr>
-          <a:xfrm>
-            <a:off x="9952372" y="2842863"/>
-            <a:ext cx="0" cy="729707"/>
-          </a:xfrm>
-          <a:prstGeom prst="straightConnector1">
-            <a:avLst/>
-          </a:prstGeom>
-          <a:ln>
-            <a:solidFill>
-              <a:schemeClr val="tx1"/>
-            </a:solidFill>
-            <a:tailEnd type="triangle"/>
-          </a:ln>
-        </p:spPr>
-        <p:style>
-          <a:lnRef idx="1">
-            <a:schemeClr val="accent1"/>
-          </a:lnRef>
-          <a:fillRef idx="0">
-            <a:schemeClr val="accent1"/>
-          </a:fillRef>
-          <a:effectRef idx="0">
-            <a:schemeClr val="accent1"/>
-          </a:effectRef>
-          <a:fontRef idx="minor">
-            <a:schemeClr val="tx1"/>
-          </a:fontRef>
-        </p:style>
-      </p:cxnSp>
-      <p:cxnSp>
-        <p:nvCxnSpPr>
-          <p:cNvPr id="56" name="Straight Arrow Connector 55"/>
-          <p:cNvCxnSpPr/>
-          <p:nvPr/>
-        </p:nvCxnSpPr>
-        <p:spPr>
-          <a:xfrm flipH="1" flipV="1">
-            <a:off x="9347700" y="2842864"/>
-            <a:ext cx="7951" cy="729706"/>
-          </a:xfrm>
-          <a:prstGeom prst="straightConnector1">
-            <a:avLst/>
-          </a:prstGeom>
-          <a:ln>
-            <a:solidFill>
-              <a:schemeClr val="tx1"/>
-            </a:solidFill>
-            <a:tailEnd type="triangle"/>
-          </a:ln>
-        </p:spPr>
-        <p:style>
-          <a:lnRef idx="1">
-            <a:schemeClr val="accent1"/>
-          </a:lnRef>
-          <a:fillRef idx="0">
-            <a:schemeClr val="accent1"/>
-          </a:fillRef>
-          <a:effectRef idx="0">
-            <a:schemeClr val="accent1"/>
-          </a:effectRef>
-          <a:fontRef idx="minor">
-            <a:schemeClr val="tx1"/>
-          </a:fontRef>
-        </p:style>
-      </p:cxnSp>
-      <p:sp>
-        <p:nvSpPr>
-          <p:cNvPr id="65" name="Right Arrow 64"/>
-          <p:cNvSpPr/>
-          <p:nvPr/>
-        </p:nvSpPr>
-        <p:spPr>
-          <a:xfrm rot="10800000">
-            <a:off x="3262826" y="4456175"/>
-            <a:ext cx="693682" cy="283780"/>
-          </a:xfrm>
-          <a:prstGeom prst="rightArrow">
-            <a:avLst/>
-          </a:prstGeom>
-          <a:noFill/>
-          <a:ln>
-            <a:solidFill>
-              <a:schemeClr val="tx1"/>
-            </a:solidFill>
-          </a:ln>
-        </p:spPr>
-        <p:style>
-          <a:lnRef idx="2">
-            <a:schemeClr val="accent1">
-              <a:shade val="50000"/>
-            </a:schemeClr>
-          </a:lnRef>
-          <a:fillRef idx="1">
-            <a:schemeClr val="accent1"/>
-          </a:fillRef>
-          <a:effectRef idx="0">
-            <a:schemeClr val="accent1"/>
-          </a:effectRef>
-          <a:fontRef idx="minor">
-            <a:schemeClr val="lt1"/>
-          </a:fontRef>
-        </p:style>
-        <p:txBody>
-          <a:bodyPr rtlCol="0" anchor="ctr"/>
-          <a:lstStyle/>
-          <a:p>
-            <a:pPr algn="ctr"/>
-            <a:endParaRPr lang="en-US"/>
-          </a:p>
-        </p:txBody>
-      </p:sp>
       <p:pic>
         <p:nvPicPr>
-          <p:cNvPr id="70" name="Picture 69"/>
+          <p:cNvPr id="80" name="Picture 79"/>
           <p:cNvPicPr>
             <a:picLocks noChangeAspect="1"/>
           </p:cNvPicPr>
           <p:nvPr/>
         </p:nvPicPr>
         <p:blipFill>
-          <a:blip r:embed="rId3"/>
+          <a:blip r:embed="rId2"/>
           <a:stretch>
             <a:fillRect/>
           </a:stretch>
         </p:blipFill>
         <p:spPr>
           <a:xfrm>
-            <a:off x="1453342" y="4080505"/>
-            <a:ext cx="1159874" cy="1159874"/>
+            <a:off x="6463231" y="4363290"/>
+            <a:ext cx="236925" cy="236925"/>
           </a:xfrm>
           <a:prstGeom prst="rect">
             <a:avLst/>
           </a:prstGeom>
+          <a:solidFill>
+            <a:schemeClr val="bg1"/>
+          </a:solidFill>
         </p:spPr>
       </p:pic>
-      <p:sp>
-        <p:nvSpPr>
-          <p:cNvPr id="71" name="TextBox 70"/>
-          <p:cNvSpPr txBox="1"/>
-          <p:nvPr/>
-        </p:nvSpPr>
-        <p:spPr>
-          <a:xfrm>
-            <a:off x="2978328" y="3904943"/>
-            <a:ext cx="1262679" cy="369332"/>
-          </a:xfrm>
-          <a:prstGeom prst="rect">
-            <a:avLst/>
-          </a:prstGeom>
-          <a:noFill/>
-        </p:spPr>
-        <p:txBody>
-          <a:bodyPr wrap="square" rtlCol="0">
-            <a:spAutoFit/>
-          </a:bodyPr>
-          <a:lstStyle/>
-          <a:p>
-            <a:pPr algn="ctr"/>
-            <a:r>
-              <a:rPr lang="en-US" dirty="0" smtClean="0"/>
-              <a:t>Output</a:t>
-            </a:r>
-            <a:endParaRPr lang="en-US" dirty="0"/>
-          </a:p>
-        </p:txBody>
-      </p:sp>
     </p:spTree>
     <p:extLst>
       <p:ext uri="{BB962C8B-B14F-4D97-AF65-F5344CB8AC3E}">
-        <p14:creationId xmlns:p14="http://schemas.microsoft.com/office/powerpoint/2010/main" val="1496582715"/>
+        <p14:creationId xmlns:p14="http://schemas.microsoft.com/office/powerpoint/2010/main" val="451044249"/>
       </p:ext>
     </p:extLst>
   </p:cSld>
   <p:clrMapOvr>
     <a:masterClrMapping/>
   </p:clrMapOvr>
-  <p:timing>
-    <p:tnLst>
-      <p:par>
-        <p:cTn id="1" dur="indefinite" restart="never" nodeType="tmRoot"/>
-      </p:par>
-    </p:tnLst>
-  </p:timing>
 </p:sld>
 </file>
 
@@ -7111,52 +6079,298 @@
           <a:chExt cx="0" cy="0"/>
         </a:xfrm>
       </p:grpSpPr>
-      <p:graphicFrame>
-        <p:nvGraphicFramePr>
-          <p:cNvPr id="14" name="Chart 13"/>
-          <p:cNvGraphicFramePr/>
-          <p:nvPr>
-            <p:extLst>
-              <p:ext uri="{D42A27DB-BD31-4B8C-83A1-F6EECF244321}">
-                <p14:modId xmlns:p14="http://schemas.microsoft.com/office/powerpoint/2010/main" val="1885683234"/>
-              </p:ext>
-            </p:extLst>
-          </p:nvPr>
-        </p:nvGraphicFramePr>
-        <p:xfrm>
-          <a:off x="809469" y="119922"/>
-          <a:ext cx="10223291" cy="6738078"/>
-        </p:xfrm>
-        <a:graphic>
-          <a:graphicData uri="http://schemas.openxmlformats.org/drawingml/2006/chart">
-            <c:chart xmlns:c="http://schemas.openxmlformats.org/drawingml/2006/chart" xmlns:r="http://schemas.openxmlformats.org/officeDocument/2006/relationships" r:id="rId2"/>
-          </a:graphicData>
-        </a:graphic>
-      </p:graphicFrame>
+      <p:sp>
+        <p:nvSpPr>
+          <p:cNvPr id="5" name="Rectangle 4"/>
+          <p:cNvSpPr/>
+          <p:nvPr/>
+        </p:nvSpPr>
+        <p:spPr>
+          <a:xfrm>
+            <a:off x="8627628" y="1075653"/>
+            <a:ext cx="1993753" cy="1767210"/>
+          </a:xfrm>
+          <a:prstGeom prst="rect">
+            <a:avLst/>
+          </a:prstGeom>
+          <a:noFill/>
+          <a:ln>
+            <a:solidFill>
+              <a:schemeClr val="tx1"/>
+            </a:solidFill>
+          </a:ln>
+        </p:spPr>
+        <p:style>
+          <a:lnRef idx="2">
+            <a:schemeClr val="accent1">
+              <a:shade val="50000"/>
+            </a:schemeClr>
+          </a:lnRef>
+          <a:fillRef idx="1">
+            <a:schemeClr val="accent1"/>
+          </a:fillRef>
+          <a:effectRef idx="0">
+            <a:schemeClr val="accent1"/>
+          </a:effectRef>
+          <a:fontRef idx="minor">
+            <a:schemeClr val="lt1"/>
+          </a:fontRef>
+        </p:style>
+        <p:txBody>
+          <a:bodyPr rtlCol="0" anchor="ctr"/>
+          <a:lstStyle/>
+          <a:p>
+            <a:pPr algn="ctr"/>
+            <a:r>
+              <a:rPr lang="en-US" dirty="0">
+                <a:solidFill>
+                  <a:schemeClr val="tx1"/>
+                </a:solidFill>
+              </a:rPr>
+              <a:t>Calculator</a:t>
+            </a:r>
+          </a:p>
+        </p:txBody>
+      </p:sp>
+      <p:sp>
+        <p:nvSpPr>
+          <p:cNvPr id="7" name="Rectangle 6"/>
+          <p:cNvSpPr/>
+          <p:nvPr/>
+        </p:nvSpPr>
+        <p:spPr>
+          <a:xfrm>
+            <a:off x="5044169" y="1087729"/>
+            <a:ext cx="1977134" cy="1755134"/>
+          </a:xfrm>
+          <a:prstGeom prst="rect">
+            <a:avLst/>
+          </a:prstGeom>
+          <a:noFill/>
+          <a:ln>
+            <a:solidFill>
+              <a:schemeClr val="tx1"/>
+            </a:solidFill>
+          </a:ln>
+        </p:spPr>
+        <p:style>
+          <a:lnRef idx="2">
+            <a:schemeClr val="accent1">
+              <a:shade val="50000"/>
+            </a:schemeClr>
+          </a:lnRef>
+          <a:fillRef idx="1">
+            <a:schemeClr val="accent1"/>
+          </a:fillRef>
+          <a:effectRef idx="0">
+            <a:schemeClr val="accent1"/>
+          </a:effectRef>
+          <a:fontRef idx="minor">
+            <a:schemeClr val="lt1"/>
+          </a:fontRef>
+        </p:style>
+        <p:txBody>
+          <a:bodyPr rtlCol="0" anchor="ctr"/>
+          <a:lstStyle/>
+          <a:p>
+            <a:pPr algn="ctr"/>
+            <a:r>
+              <a:rPr lang="en-US" dirty="0">
+                <a:solidFill>
+                  <a:schemeClr val="tx1"/>
+                </a:solidFill>
+              </a:rPr>
+              <a:t>Plotter</a:t>
+            </a:r>
+          </a:p>
+        </p:txBody>
+      </p:sp>
+      <p:sp>
+        <p:nvSpPr>
+          <p:cNvPr id="8" name="Rectangle 7"/>
+          <p:cNvSpPr/>
+          <p:nvPr/>
+        </p:nvSpPr>
+        <p:spPr>
+          <a:xfrm>
+            <a:off x="5044169" y="3584171"/>
+            <a:ext cx="1977134" cy="1755609"/>
+          </a:xfrm>
+          <a:prstGeom prst="rect">
+            <a:avLst/>
+          </a:prstGeom>
+          <a:noFill/>
+          <a:ln>
+            <a:solidFill>
+              <a:schemeClr val="tx1"/>
+            </a:solidFill>
+          </a:ln>
+        </p:spPr>
+        <p:style>
+          <a:lnRef idx="2">
+            <a:schemeClr val="accent1">
+              <a:shade val="50000"/>
+            </a:schemeClr>
+          </a:lnRef>
+          <a:fillRef idx="1">
+            <a:schemeClr val="accent1"/>
+          </a:fillRef>
+          <a:effectRef idx="0">
+            <a:schemeClr val="accent1"/>
+          </a:effectRef>
+          <a:fontRef idx="minor">
+            <a:schemeClr val="lt1"/>
+          </a:fontRef>
+        </p:style>
+        <p:txBody>
+          <a:bodyPr rtlCol="0" anchor="ctr"/>
+          <a:lstStyle/>
+          <a:p>
+            <a:pPr algn="ctr"/>
+            <a:r>
+              <a:rPr lang="en-US" dirty="0">
+                <a:solidFill>
+                  <a:schemeClr val="tx1"/>
+                </a:solidFill>
+              </a:rPr>
+              <a:t>Displayer</a:t>
+            </a:r>
+          </a:p>
+        </p:txBody>
+      </p:sp>
+      <p:pic>
+        <p:nvPicPr>
+          <p:cNvPr id="24" name="Picture 23"/>
+          <p:cNvPicPr>
+            <a:picLocks noChangeAspect="1"/>
+          </p:cNvPicPr>
+          <p:nvPr/>
+        </p:nvPicPr>
+        <p:blipFill>
+          <a:blip r:embed="rId2"/>
+          <a:stretch>
+            <a:fillRect/>
+          </a:stretch>
+        </p:blipFill>
+        <p:spPr>
+          <a:xfrm>
+            <a:off x="1453342" y="1438462"/>
+            <a:ext cx="1053668" cy="1053668"/>
+          </a:xfrm>
+          <a:prstGeom prst="rect">
+            <a:avLst/>
+          </a:prstGeom>
+        </p:spPr>
+      </p:pic>
+      <p:sp>
+        <p:nvSpPr>
+          <p:cNvPr id="25" name="TextBox 24"/>
+          <p:cNvSpPr txBox="1"/>
+          <p:nvPr/>
+        </p:nvSpPr>
+        <p:spPr>
+          <a:xfrm>
+            <a:off x="3050416" y="1330814"/>
+            <a:ext cx="1262679" cy="369332"/>
+          </a:xfrm>
+          <a:prstGeom prst="rect">
+            <a:avLst/>
+          </a:prstGeom>
+          <a:noFill/>
+        </p:spPr>
+        <p:txBody>
+          <a:bodyPr wrap="square" rtlCol="0">
+            <a:spAutoFit/>
+          </a:bodyPr>
+          <a:lstStyle/>
+          <a:p>
+            <a:pPr algn="ctr"/>
+            <a:r>
+              <a:rPr lang="en-US" dirty="0"/>
+              <a:t>User Input</a:t>
+            </a:r>
+          </a:p>
+        </p:txBody>
+      </p:sp>
+      <p:sp>
+        <p:nvSpPr>
+          <p:cNvPr id="26" name="Right Arrow 25"/>
+          <p:cNvSpPr/>
+          <p:nvPr/>
+        </p:nvSpPr>
+        <p:spPr>
+          <a:xfrm>
+            <a:off x="3272100" y="1919500"/>
+            <a:ext cx="693682" cy="283780"/>
+          </a:xfrm>
+          <a:prstGeom prst="rightArrow">
+            <a:avLst/>
+          </a:prstGeom>
+          <a:noFill/>
+          <a:ln>
+            <a:solidFill>
+              <a:schemeClr val="tx1"/>
+            </a:solidFill>
+          </a:ln>
+        </p:spPr>
+        <p:style>
+          <a:lnRef idx="2">
+            <a:schemeClr val="accent1">
+              <a:shade val="50000"/>
+            </a:schemeClr>
+          </a:lnRef>
+          <a:fillRef idx="1">
+            <a:schemeClr val="accent1"/>
+          </a:fillRef>
+          <a:effectRef idx="0">
+            <a:schemeClr val="accent1"/>
+          </a:effectRef>
+          <a:fontRef idx="minor">
+            <a:schemeClr val="lt1"/>
+          </a:fontRef>
+        </p:style>
+        <p:txBody>
+          <a:bodyPr rtlCol="0" anchor="ctr"/>
+          <a:lstStyle/>
+          <a:p>
+            <a:pPr algn="ctr"/>
+            <a:endParaRPr lang="en-US"/>
+          </a:p>
+        </p:txBody>
+      </p:sp>
       <p:cxnSp>
         <p:nvCxnSpPr>
-          <p:cNvPr id="16" name="Straight Connector 15"/>
-          <p:cNvCxnSpPr/>
+          <p:cNvPr id="31" name="Straight Arrow Connector 30"/>
+          <p:cNvCxnSpPr>
+            <a:stCxn id="7" idx="3"/>
+            <a:endCxn id="5" idx="1"/>
+          </p:cNvCxnSpPr>
           <p:nvPr/>
         </p:nvCxnSpPr>
         <p:spPr>
-          <a:xfrm>
-            <a:off x="494675" y="5771213"/>
-            <a:ext cx="10912840" cy="0"/>
-          </a:xfrm>
-          <a:prstGeom prst="line">
-            <a:avLst/>
-          </a:prstGeom>
+          <a:xfrm flipV="1">
+            <a:off x="7021303" y="1959258"/>
+            <a:ext cx="1606325" cy="6038"/>
+          </a:xfrm>
+          <a:prstGeom prst="straightConnector1">
+            <a:avLst/>
+          </a:prstGeom>
+          <a:ln>
+            <a:solidFill>
+              <a:schemeClr val="tx1"/>
+            </a:solidFill>
+            <a:tailEnd type="triangle"/>
+          </a:ln>
         </p:spPr>
         <p:style>
           <a:lnRef idx="1">
-            <a:schemeClr val="dk1"/>
+            <a:schemeClr val="accent1"/>
           </a:lnRef>
           <a:fillRef idx="0">
-            <a:schemeClr val="dk1"/>
+            <a:schemeClr val="accent1"/>
           </a:fillRef>
           <a:effectRef idx="0">
-            <a:schemeClr val="dk1"/>
+            <a:schemeClr val="accent1"/>
           </a:effectRef>
           <a:fontRef idx="minor">
             <a:schemeClr val="tx1"/>
@@ -7165,44 +6379,89 @@
       </p:cxnSp>
       <p:cxnSp>
         <p:nvCxnSpPr>
-          <p:cNvPr id="18" name="Straight Connector 17"/>
-          <p:cNvCxnSpPr/>
+          <p:cNvPr id="34" name="Straight Arrow Connector 33"/>
+          <p:cNvCxnSpPr>
+            <a:stCxn id="7" idx="2"/>
+            <a:endCxn id="8" idx="0"/>
+          </p:cNvCxnSpPr>
           <p:nvPr/>
         </p:nvCxnSpPr>
         <p:spPr>
           <a:xfrm>
-            <a:off x="809469" y="269823"/>
-            <a:ext cx="0" cy="5831174"/>
-          </a:xfrm>
-          <a:prstGeom prst="line">
-            <a:avLst/>
-          </a:prstGeom>
+            <a:off x="6032736" y="2842863"/>
+            <a:ext cx="0" cy="741308"/>
+          </a:xfrm>
+          <a:prstGeom prst="straightConnector1">
+            <a:avLst/>
+          </a:prstGeom>
+          <a:ln>
+            <a:solidFill>
+              <a:schemeClr val="tx1"/>
+            </a:solidFill>
+            <a:tailEnd type="triangle"/>
+          </a:ln>
         </p:spPr>
         <p:style>
           <a:lnRef idx="1">
-            <a:schemeClr val="dk1"/>
+            <a:schemeClr val="accent1"/>
           </a:lnRef>
           <a:fillRef idx="0">
-            <a:schemeClr val="dk1"/>
+            <a:schemeClr val="accent1"/>
           </a:fillRef>
           <a:effectRef idx="0">
-            <a:schemeClr val="dk1"/>
+            <a:schemeClr val="accent1"/>
           </a:effectRef>
           <a:fontRef idx="minor">
             <a:schemeClr val="tx1"/>
           </a:fontRef>
         </p:style>
       </p:cxnSp>
-      <p:sp>
-        <p:nvSpPr>
-          <p:cNvPr id="19" name="TextBox 18"/>
+      <p:cxnSp>
+        <p:nvCxnSpPr>
+          <p:cNvPr id="39" name="Straight Arrow Connector 38"/>
+          <p:cNvCxnSpPr/>
+          <p:nvPr/>
+        </p:nvCxnSpPr>
+        <p:spPr>
+          <a:xfrm flipH="1">
+            <a:off x="7021304" y="2492130"/>
+            <a:ext cx="1606324" cy="0"/>
+          </a:xfrm>
+          <a:prstGeom prst="straightConnector1">
+            <a:avLst/>
+          </a:prstGeom>
+          <a:ln>
+            <a:solidFill>
+              <a:schemeClr val="tx1"/>
+            </a:solidFill>
+            <a:tailEnd type="triangle"/>
+          </a:ln>
+        </p:spPr>
+        <p:style>
+          <a:lnRef idx="1">
+            <a:schemeClr val="accent1"/>
+          </a:lnRef>
+          <a:fillRef idx="0">
+            <a:schemeClr val="accent1"/>
+          </a:fillRef>
+          <a:effectRef idx="0">
+            <a:schemeClr val="accent1"/>
+          </a:effectRef>
+          <a:fontRef idx="minor">
+            <a:schemeClr val="tx1"/>
+          </a:fontRef>
+        </p:style>
+      </p:cxnSp>
+      <p:sp>
+        <p:nvSpPr>
+          <p:cNvPr id="40" name="TextBox 39"/>
           <p:cNvSpPr txBox="1"/>
           <p:nvPr/>
         </p:nvSpPr>
         <p:spPr>
           <a:xfrm>
-            <a:off x="4437089" y="5771213"/>
-            <a:ext cx="3477718" cy="369332"/>
+            <a:off x="7526732" y="1700146"/>
+            <a:ext cx="696287" cy="276999"/>
           </a:xfrm>
           <a:prstGeom prst="rect">
             <a:avLst/>
@@ -7215,25 +6474,23 @@
           </a:bodyPr>
           <a:lstStyle/>
           <a:p>
-            <a:pPr algn="ctr"/>
-            <a:r>
-              <a:rPr lang="en-US" dirty="0" smtClean="0"/>
-              <a:t>complexity</a:t>
-            </a:r>
-            <a:endParaRPr lang="en-US" dirty="0"/>
-          </a:p>
-        </p:txBody>
-      </p:sp>
-      <p:sp>
-        <p:nvSpPr>
-          <p:cNvPr id="20" name="TextBox 19"/>
+            <a:r>
+              <a:rPr lang="en-US" sz="1200" dirty="0"/>
+              <a:t>request</a:t>
+            </a:r>
+          </a:p>
+        </p:txBody>
+      </p:sp>
+      <p:sp>
+        <p:nvSpPr>
+          <p:cNvPr id="41" name="TextBox 40"/>
           <p:cNvSpPr txBox="1"/>
           <p:nvPr/>
         </p:nvSpPr>
         <p:spPr>
-          <a:xfrm rot="16200000">
-            <a:off x="-1159026" y="2835852"/>
-            <a:ext cx="3477718" cy="369332"/>
+          <a:xfrm>
+            <a:off x="7232544" y="2193998"/>
+            <a:ext cx="1504141" cy="276999"/>
           </a:xfrm>
           <a:prstGeom prst="rect">
             <a:avLst/>
@@ -7246,32 +6503,248 @@
           </a:bodyPr>
           <a:lstStyle/>
           <a:p>
+            <a:r>
+              <a:rPr lang="en-US" sz="1200" dirty="0"/>
+              <a:t>Solved equations</a:t>
+            </a:r>
+          </a:p>
+        </p:txBody>
+      </p:sp>
+      <p:sp>
+        <p:nvSpPr>
+          <p:cNvPr id="53" name="Rectangle 52"/>
+          <p:cNvSpPr/>
+          <p:nvPr/>
+        </p:nvSpPr>
+        <p:spPr>
+          <a:xfrm>
+            <a:off x="8627627" y="3572570"/>
+            <a:ext cx="1993753" cy="1767210"/>
+          </a:xfrm>
+          <a:prstGeom prst="rect">
+            <a:avLst/>
+          </a:prstGeom>
+          <a:noFill/>
+          <a:ln>
+            <a:solidFill>
+              <a:schemeClr val="tx1"/>
+            </a:solidFill>
+          </a:ln>
+        </p:spPr>
+        <p:style>
+          <a:lnRef idx="2">
+            <a:schemeClr val="accent1">
+              <a:shade val="50000"/>
+            </a:schemeClr>
+          </a:lnRef>
+          <a:fillRef idx="1">
+            <a:schemeClr val="accent1"/>
+          </a:fillRef>
+          <a:effectRef idx="0">
+            <a:schemeClr val="accent1"/>
+          </a:effectRef>
+          <a:fontRef idx="minor">
+            <a:schemeClr val="lt1"/>
+          </a:fontRef>
+        </p:style>
+        <p:txBody>
+          <a:bodyPr rtlCol="0" anchor="ctr"/>
+          <a:lstStyle/>
+          <a:p>
             <a:pPr algn="ctr"/>
             <a:r>
-              <a:rPr lang="en-US" dirty="0" smtClean="0"/>
-              <a:t>productivity</a:t>
-            </a:r>
-            <a:endParaRPr lang="en-US" dirty="0"/>
+              <a:rPr lang="en-US" dirty="0">
+                <a:solidFill>
+                  <a:schemeClr val="tx1"/>
+                </a:solidFill>
+              </a:rPr>
+              <a:t>Other Services</a:t>
+            </a:r>
+          </a:p>
+        </p:txBody>
+      </p:sp>
+      <p:cxnSp>
+        <p:nvCxnSpPr>
+          <p:cNvPr id="55" name="Straight Arrow Connector 54"/>
+          <p:cNvCxnSpPr/>
+          <p:nvPr/>
+        </p:nvCxnSpPr>
+        <p:spPr>
+          <a:xfrm>
+            <a:off x="9952372" y="2842863"/>
+            <a:ext cx="0" cy="729707"/>
+          </a:xfrm>
+          <a:prstGeom prst="straightConnector1">
+            <a:avLst/>
+          </a:prstGeom>
+          <a:ln>
+            <a:solidFill>
+              <a:schemeClr val="tx1"/>
+            </a:solidFill>
+            <a:tailEnd type="triangle"/>
+          </a:ln>
+        </p:spPr>
+        <p:style>
+          <a:lnRef idx="1">
+            <a:schemeClr val="accent1"/>
+          </a:lnRef>
+          <a:fillRef idx="0">
+            <a:schemeClr val="accent1"/>
+          </a:fillRef>
+          <a:effectRef idx="0">
+            <a:schemeClr val="accent1"/>
+          </a:effectRef>
+          <a:fontRef idx="minor">
+            <a:schemeClr val="tx1"/>
+          </a:fontRef>
+        </p:style>
+      </p:cxnSp>
+      <p:cxnSp>
+        <p:nvCxnSpPr>
+          <p:cNvPr id="56" name="Straight Arrow Connector 55"/>
+          <p:cNvCxnSpPr/>
+          <p:nvPr/>
+        </p:nvCxnSpPr>
+        <p:spPr>
+          <a:xfrm flipH="1" flipV="1">
+            <a:off x="9347700" y="2842864"/>
+            <a:ext cx="7951" cy="729706"/>
+          </a:xfrm>
+          <a:prstGeom prst="straightConnector1">
+            <a:avLst/>
+          </a:prstGeom>
+          <a:ln>
+            <a:solidFill>
+              <a:schemeClr val="tx1"/>
+            </a:solidFill>
+            <a:tailEnd type="triangle"/>
+          </a:ln>
+        </p:spPr>
+        <p:style>
+          <a:lnRef idx="1">
+            <a:schemeClr val="accent1"/>
+          </a:lnRef>
+          <a:fillRef idx="0">
+            <a:schemeClr val="accent1"/>
+          </a:fillRef>
+          <a:effectRef idx="0">
+            <a:schemeClr val="accent1"/>
+          </a:effectRef>
+          <a:fontRef idx="minor">
+            <a:schemeClr val="tx1"/>
+          </a:fontRef>
+        </p:style>
+      </p:cxnSp>
+      <p:sp>
+        <p:nvSpPr>
+          <p:cNvPr id="65" name="Right Arrow 64"/>
+          <p:cNvSpPr/>
+          <p:nvPr/>
+        </p:nvSpPr>
+        <p:spPr>
+          <a:xfrm rot="10800000">
+            <a:off x="3262826" y="4456175"/>
+            <a:ext cx="693682" cy="283780"/>
+          </a:xfrm>
+          <a:prstGeom prst="rightArrow">
+            <a:avLst/>
+          </a:prstGeom>
+          <a:noFill/>
+          <a:ln>
+            <a:solidFill>
+              <a:schemeClr val="tx1"/>
+            </a:solidFill>
+          </a:ln>
+        </p:spPr>
+        <p:style>
+          <a:lnRef idx="2">
+            <a:schemeClr val="accent1">
+              <a:shade val="50000"/>
+            </a:schemeClr>
+          </a:lnRef>
+          <a:fillRef idx="1">
+            <a:schemeClr val="accent1"/>
+          </a:fillRef>
+          <a:effectRef idx="0">
+            <a:schemeClr val="accent1"/>
+          </a:effectRef>
+          <a:fontRef idx="minor">
+            <a:schemeClr val="lt1"/>
+          </a:fontRef>
+        </p:style>
+        <p:txBody>
+          <a:bodyPr rtlCol="0" anchor="ctr"/>
+          <a:lstStyle/>
+          <a:p>
+            <a:pPr algn="ctr"/>
+            <a:endParaRPr lang="en-US"/>
+          </a:p>
+        </p:txBody>
+      </p:sp>
+      <p:pic>
+        <p:nvPicPr>
+          <p:cNvPr id="70" name="Picture 69"/>
+          <p:cNvPicPr>
+            <a:picLocks noChangeAspect="1"/>
+          </p:cNvPicPr>
+          <p:nvPr/>
+        </p:nvPicPr>
+        <p:blipFill>
+          <a:blip r:embed="rId3"/>
+          <a:stretch>
+            <a:fillRect/>
+          </a:stretch>
+        </p:blipFill>
+        <p:spPr>
+          <a:xfrm>
+            <a:off x="1453342" y="4080505"/>
+            <a:ext cx="1159874" cy="1159874"/>
+          </a:xfrm>
+          <a:prstGeom prst="rect">
+            <a:avLst/>
+          </a:prstGeom>
+        </p:spPr>
+      </p:pic>
+      <p:sp>
+        <p:nvSpPr>
+          <p:cNvPr id="71" name="TextBox 70"/>
+          <p:cNvSpPr txBox="1"/>
+          <p:nvPr/>
+        </p:nvSpPr>
+        <p:spPr>
+          <a:xfrm>
+            <a:off x="2978328" y="3904943"/>
+            <a:ext cx="1262679" cy="369332"/>
+          </a:xfrm>
+          <a:prstGeom prst="rect">
+            <a:avLst/>
+          </a:prstGeom>
+          <a:noFill/>
+        </p:spPr>
+        <p:txBody>
+          <a:bodyPr wrap="square" rtlCol="0">
+            <a:spAutoFit/>
+          </a:bodyPr>
+          <a:lstStyle/>
+          <a:p>
+            <a:pPr algn="ctr"/>
+            <a:r>
+              <a:rPr lang="en-US" dirty="0"/>
+              <a:t>Output</a:t>
+            </a:r>
           </a:p>
         </p:txBody>
       </p:sp>
     </p:spTree>
     <p:extLst>
       <p:ext uri="{BB962C8B-B14F-4D97-AF65-F5344CB8AC3E}">
-        <p14:creationId xmlns:p14="http://schemas.microsoft.com/office/powerpoint/2010/main" val="56699866"/>
+        <p14:creationId xmlns:p14="http://schemas.microsoft.com/office/powerpoint/2010/main" val="1496582715"/>
       </p:ext>
     </p:extLst>
   </p:cSld>
   <p:clrMapOvr>
     <a:masterClrMapping/>
   </p:clrMapOvr>
-  <p:timing>
-    <p:tnLst>
-      <p:par>
-        <p:cTn id="1" dur="indefinite" restart="never" nodeType="tmRoot"/>
-      </p:par>
-    </p:tnLst>
-  </p:timing>
 </p:sld>
 </file>
 

--- a/Documents(VWA)/graphics/Graphics.pptx
+++ b/Documents(VWA)/graphics/Graphics.pptx
@@ -200,7 +200,7 @@
           <a:p>
             <a:fld id="{559CD18D-7E71-4345-BC5D-7CB7DC0EBDCC}" type="datetimeFigureOut">
               <a:rPr lang="en-US" smtClean="0"/>
-              <a:t>1/27/18</a:t>
+              <a:t>2/2/18</a:t>
             </a:fld>
             <a:endParaRPr lang="en-US"/>
           </a:p>
@@ -596,7 +596,7 @@
           <a:p>
             <a:fld id="{AADE8FE6-F29D-8D45-A0A6-71FE9D3F776C}" type="datetimeFigureOut">
               <a:rPr lang="en-US" smtClean="0"/>
-              <a:t>1/27/18</a:t>
+              <a:t>2/2/18</a:t>
             </a:fld>
             <a:endParaRPr lang="en-US"/>
           </a:p>
@@ -764,7 +764,7 @@
           <a:p>
             <a:fld id="{AADE8FE6-F29D-8D45-A0A6-71FE9D3F776C}" type="datetimeFigureOut">
               <a:rPr lang="en-US" smtClean="0"/>
-              <a:t>1/27/18</a:t>
+              <a:t>2/2/18</a:t>
             </a:fld>
             <a:endParaRPr lang="en-US"/>
           </a:p>
@@ -942,7 +942,7 @@
           <a:p>
             <a:fld id="{AADE8FE6-F29D-8D45-A0A6-71FE9D3F776C}" type="datetimeFigureOut">
               <a:rPr lang="en-US" smtClean="0"/>
-              <a:t>1/27/18</a:t>
+              <a:t>2/2/18</a:t>
             </a:fld>
             <a:endParaRPr lang="en-US"/>
           </a:p>
@@ -1110,7 +1110,7 @@
           <a:p>
             <a:fld id="{AADE8FE6-F29D-8D45-A0A6-71FE9D3F776C}" type="datetimeFigureOut">
               <a:rPr lang="en-US" smtClean="0"/>
-              <a:t>1/27/18</a:t>
+              <a:t>2/2/18</a:t>
             </a:fld>
             <a:endParaRPr lang="en-US"/>
           </a:p>
@@ -1355,7 +1355,7 @@
           <a:p>
             <a:fld id="{AADE8FE6-F29D-8D45-A0A6-71FE9D3F776C}" type="datetimeFigureOut">
               <a:rPr lang="en-US" smtClean="0"/>
-              <a:t>1/27/18</a:t>
+              <a:t>2/2/18</a:t>
             </a:fld>
             <a:endParaRPr lang="en-US"/>
           </a:p>
@@ -1584,7 +1584,7 @@
           <a:p>
             <a:fld id="{AADE8FE6-F29D-8D45-A0A6-71FE9D3F776C}" type="datetimeFigureOut">
               <a:rPr lang="en-US" smtClean="0"/>
-              <a:t>1/27/18</a:t>
+              <a:t>2/2/18</a:t>
             </a:fld>
             <a:endParaRPr lang="en-US"/>
           </a:p>
@@ -1948,7 +1948,7 @@
           <a:p>
             <a:fld id="{AADE8FE6-F29D-8D45-A0A6-71FE9D3F776C}" type="datetimeFigureOut">
               <a:rPr lang="en-US" smtClean="0"/>
-              <a:t>1/27/18</a:t>
+              <a:t>2/2/18</a:t>
             </a:fld>
             <a:endParaRPr lang="en-US"/>
           </a:p>
@@ -2065,7 +2065,7 @@
           <a:p>
             <a:fld id="{AADE8FE6-F29D-8D45-A0A6-71FE9D3F776C}" type="datetimeFigureOut">
               <a:rPr lang="en-US" smtClean="0"/>
-              <a:t>1/27/18</a:t>
+              <a:t>2/2/18</a:t>
             </a:fld>
             <a:endParaRPr lang="en-US"/>
           </a:p>
@@ -2160,7 +2160,7 @@
           <a:p>
             <a:fld id="{AADE8FE6-F29D-8D45-A0A6-71FE9D3F776C}" type="datetimeFigureOut">
               <a:rPr lang="en-US" smtClean="0"/>
-              <a:t>1/27/18</a:t>
+              <a:t>2/2/18</a:t>
             </a:fld>
             <a:endParaRPr lang="en-US"/>
           </a:p>
@@ -2435,7 +2435,7 @@
           <a:p>
             <a:fld id="{AADE8FE6-F29D-8D45-A0A6-71FE9D3F776C}" type="datetimeFigureOut">
               <a:rPr lang="en-US" smtClean="0"/>
-              <a:t>1/27/18</a:t>
+              <a:t>2/2/18</a:t>
             </a:fld>
             <a:endParaRPr lang="en-US"/>
           </a:p>
@@ -2687,7 +2687,7 @@
           <a:p>
             <a:fld id="{AADE8FE6-F29D-8D45-A0A6-71FE9D3F776C}" type="datetimeFigureOut">
               <a:rPr lang="en-US" smtClean="0"/>
-              <a:t>1/27/18</a:t>
+              <a:t>2/2/18</a:t>
             </a:fld>
             <a:endParaRPr lang="en-US"/>
           </a:p>
@@ -2898,7 +2898,7 @@
           <a:p>
             <a:fld id="{AADE8FE6-F29D-8D45-A0A6-71FE9D3F776C}" type="datetimeFigureOut">
               <a:rPr lang="en-US" smtClean="0"/>
-              <a:t>1/27/18</a:t>
+              <a:t>2/2/18</a:t>
             </a:fld>
             <a:endParaRPr lang="en-US"/>
           </a:p>
@@ -6129,6 +6129,19 @@
               </a:rPr>
               <a:t>Calculator</a:t>
             </a:r>
+            <a:r>
+              <a:rPr lang="de-AT" dirty="0">
+                <a:solidFill>
+                  <a:schemeClr val="tx1"/>
+                </a:solidFill>
+              </a:rPr>
+              <a:t>^^	</a:t>
+            </a:r>
+            <a:endParaRPr lang="en-US" dirty="0">
+              <a:solidFill>
+                <a:schemeClr val="tx1"/>
+              </a:solidFill>
+            </a:endParaRPr>
           </a:p>
         </p:txBody>
       </p:sp>
